--- a/format-encodings/slide_presentations/.hidden/introduction-to-encodings.pptx
+++ b/format-encodings/slide_presentations/.hidden/introduction-to-encodings.pptx
@@ -5,7 +5,7 @@
     <p:sldMasterId id="2147483659" r:id="rId1"/>
   </p:sldMasterIdLst>
   <p:notesMasterIdLst>
-    <p:notesMasterId r:id="rId21"/>
+    <p:notesMasterId r:id="rId22"/>
   </p:notesMasterIdLst>
   <p:sldIdLst>
     <p:sldId id="275" r:id="rId2"/>
@@ -18,32 +18,33 @@
     <p:sldId id="261" r:id="rId9"/>
     <p:sldId id="262" r:id="rId10"/>
     <p:sldId id="263" r:id="rId11"/>
-    <p:sldId id="264" r:id="rId12"/>
-    <p:sldId id="265" r:id="rId13"/>
-    <p:sldId id="266" r:id="rId14"/>
-    <p:sldId id="267" r:id="rId15"/>
-    <p:sldId id="268" r:id="rId16"/>
-    <p:sldId id="269" r:id="rId17"/>
-    <p:sldId id="271" r:id="rId18"/>
-    <p:sldId id="272" r:id="rId19"/>
-    <p:sldId id="273" r:id="rId20"/>
+    <p:sldId id="276" r:id="rId12"/>
+    <p:sldId id="264" r:id="rId13"/>
+    <p:sldId id="265" r:id="rId14"/>
+    <p:sldId id="266" r:id="rId15"/>
+    <p:sldId id="267" r:id="rId16"/>
+    <p:sldId id="268" r:id="rId17"/>
+    <p:sldId id="269" r:id="rId18"/>
+    <p:sldId id="271" r:id="rId19"/>
+    <p:sldId id="272" r:id="rId20"/>
+    <p:sldId id="273" r:id="rId21"/>
   </p:sldIdLst>
   <p:sldSz cx="9144000" cy="5143500" type="screen16x9"/>
   <p:notesSz cx="6858000" cy="9144000"/>
   <p:embeddedFontLst>
     <p:embeddedFont>
       <p:font typeface="Open Sans" panose="020B0606030504020204" pitchFamily="34" charset="0"/>
-      <p:regular r:id="rId22"/>
-      <p:bold r:id="rId23"/>
-      <p:italic r:id="rId24"/>
-      <p:boldItalic r:id="rId25"/>
+      <p:regular r:id="rId23"/>
+      <p:bold r:id="rId24"/>
+      <p:italic r:id="rId25"/>
+      <p:boldItalic r:id="rId26"/>
     </p:embeddedFont>
     <p:embeddedFont>
       <p:font typeface="Source Code Pro" panose="020B0509030403020204" pitchFamily="49" charset="0"/>
-      <p:regular r:id="rId26"/>
-      <p:bold r:id="rId27"/>
-      <p:italic r:id="rId28"/>
-      <p:boldItalic r:id="rId29"/>
+      <p:regular r:id="rId27"/>
+      <p:bold r:id="rId28"/>
+      <p:italic r:id="rId29"/>
+      <p:boldItalic r:id="rId30"/>
     </p:embeddedFont>
   </p:embeddedFontLst>
   <p:defaultTextStyle>
@@ -7823,7 +7824,7 @@
             </a:pPr>
             <a:r>
               <a:rPr lang="en-US" sz="1200" dirty="0"/>
-              <a:t>1 byte to 4 bytes used to encode each character</a:t>
+              <a:t>1 octet to 4 octet used to encode each character</a:t>
             </a:r>
           </a:p>
         </p:txBody>
@@ -7891,6 +7892,70 @@
 </file>
 
 <file path=ppt/slides/slide11.xml><?xml version="1.0" encoding="utf-8"?>
+<p:sld xmlns:a="http://schemas.openxmlformats.org/drawingml/2006/main" xmlns:r="http://schemas.openxmlformats.org/officeDocument/2006/relationships" xmlns:p="http://schemas.openxmlformats.org/presentationml/2006/main">
+  <p:cSld>
+    <p:spTree>
+      <p:nvGrpSpPr>
+        <p:cNvPr id="1" name=""/>
+        <p:cNvGrpSpPr/>
+        <p:nvPr/>
+      </p:nvGrpSpPr>
+      <p:grpSpPr>
+        <a:xfrm>
+          <a:off x="0" y="0"/>
+          <a:ext cx="0" cy="0"/>
+          <a:chOff x="0" y="0"/>
+          <a:chExt cx="0" cy="0"/>
+        </a:xfrm>
+      </p:grpSpPr>
+      <p:pic>
+        <p:nvPicPr>
+          <p:cNvPr id="4" name="Google Shape;135;p20">
+            <a:extLst>
+              <a:ext uri="{FF2B5EF4-FFF2-40B4-BE49-F238E27FC236}">
+                <a16:creationId xmlns:a16="http://schemas.microsoft.com/office/drawing/2014/main" id="{D9719153-B731-EF42-853A-30CA5606C2A9}"/>
+              </a:ext>
+            </a:extLst>
+          </p:cNvPr>
+          <p:cNvPicPr preferRelativeResize="0"/>
+          <p:nvPr/>
+        </p:nvPicPr>
+        <p:blipFill>
+          <a:blip r:embed="rId2">
+            <a:alphaModFix/>
+          </a:blip>
+          <a:stretch>
+            <a:fillRect/>
+          </a:stretch>
+        </p:blipFill>
+        <p:spPr>
+          <a:xfrm>
+            <a:off x="1145272" y="312999"/>
+            <a:ext cx="6667633" cy="4517501"/>
+          </a:xfrm>
+          <a:prstGeom prst="rect">
+            <a:avLst/>
+          </a:prstGeom>
+          <a:noFill/>
+          <a:ln>
+            <a:noFill/>
+          </a:ln>
+        </p:spPr>
+      </p:pic>
+    </p:spTree>
+    <p:extLst>
+      <p:ext uri="{BB962C8B-B14F-4D97-AF65-F5344CB8AC3E}">
+        <p14:creationId xmlns:p14="http://schemas.microsoft.com/office/powerpoint/2010/main" val="1145429535"/>
+      </p:ext>
+    </p:extLst>
+  </p:cSld>
+  <p:clrMapOvr>
+    <a:masterClrMapping/>
+  </p:clrMapOvr>
+</p:sld>
+</file>
+
+<file path=ppt/slides/slide12.xml><?xml version="1.0" encoding="utf-8"?>
 <p:sld xmlns:a="http://schemas.openxmlformats.org/drawingml/2006/main" xmlns:r="http://schemas.openxmlformats.org/officeDocument/2006/relationships" xmlns:p="http://schemas.openxmlformats.org/presentationml/2006/main">
   <p:cSld>
     <p:spTree>
@@ -10536,7 +10601,7 @@
 </p:sld>
 </file>
 
-<file path=ppt/slides/slide12.xml><?xml version="1.0" encoding="utf-8"?>
+<file path=ppt/slides/slide13.xml><?xml version="1.0" encoding="utf-8"?>
 <p:sld xmlns:a="http://schemas.openxmlformats.org/drawingml/2006/main" xmlns:r="http://schemas.openxmlformats.org/officeDocument/2006/relationships" xmlns:p="http://schemas.openxmlformats.org/presentationml/2006/main">
   <p:cSld>
     <p:spTree>
@@ -14851,7 +14916,7 @@
 </p:sld>
 </file>
 
-<file path=ppt/slides/slide13.xml><?xml version="1.0" encoding="utf-8"?>
+<file path=ppt/slides/slide14.xml><?xml version="1.0" encoding="utf-8"?>
 <p:sld xmlns:a="http://schemas.openxmlformats.org/drawingml/2006/main" xmlns:r="http://schemas.openxmlformats.org/officeDocument/2006/relationships" xmlns:p="http://schemas.openxmlformats.org/presentationml/2006/main">
   <p:cSld>
     <p:spTree>
@@ -21170,7 +21235,7 @@
 </p:sld>
 </file>
 
-<file path=ppt/slides/slide14.xml><?xml version="1.0" encoding="utf-8"?>
+<file path=ppt/slides/slide15.xml><?xml version="1.0" encoding="utf-8"?>
 <p:sld xmlns:a="http://schemas.openxmlformats.org/drawingml/2006/main" xmlns:r="http://schemas.openxmlformats.org/officeDocument/2006/relationships" xmlns:p="http://schemas.openxmlformats.org/presentationml/2006/main">
   <p:cSld>
     <p:spTree>
@@ -21660,7 +21725,7 @@
         </p:nvSpPr>
         <p:spPr>
           <a:xfrm>
-            <a:off x="6296100" y="4038013"/>
+            <a:off x="6257600" y="1524775"/>
             <a:ext cx="2847900" cy="1436100"/>
           </a:xfrm>
           <a:prstGeom prst="rect">
@@ -21706,7 +21771,7 @@
 </p:sld>
 </file>
 
-<file path=ppt/slides/slide15.xml><?xml version="1.0" encoding="utf-8"?>
+<file path=ppt/slides/slide16.xml><?xml version="1.0" encoding="utf-8"?>
 <p:sld xmlns:a="http://schemas.openxmlformats.org/drawingml/2006/main" xmlns:r="http://schemas.openxmlformats.org/officeDocument/2006/relationships" xmlns:p="http://schemas.openxmlformats.org/presentationml/2006/main">
   <p:cSld>
     <p:spTree>
@@ -22126,7 +22191,7 @@
 </p:sld>
 </file>
 
-<file path=ppt/slides/slide16.xml><?xml version="1.0" encoding="utf-8"?>
+<file path=ppt/slides/slide17.xml><?xml version="1.0" encoding="utf-8"?>
 <p:sld xmlns:a="http://schemas.openxmlformats.org/drawingml/2006/main" xmlns:r="http://schemas.openxmlformats.org/officeDocument/2006/relationships" xmlns:p="http://schemas.openxmlformats.org/presentationml/2006/main">
   <p:cSld>
     <p:spTree>
@@ -22416,7 +22481,7 @@
 </p:sld>
 </file>
 
-<file path=ppt/slides/slide17.xml><?xml version="1.0" encoding="utf-8"?>
+<file path=ppt/slides/slide18.xml><?xml version="1.0" encoding="utf-8"?>
 <p:sld xmlns:a="http://schemas.openxmlformats.org/drawingml/2006/main" xmlns:r="http://schemas.openxmlformats.org/officeDocument/2006/relationships" xmlns:p="http://schemas.openxmlformats.org/presentationml/2006/main">
   <p:cSld>
     <p:spTree>
@@ -22731,7 +22796,7 @@
 </p:sld>
 </file>
 
-<file path=ppt/slides/slide18.xml><?xml version="1.0" encoding="utf-8"?>
+<file path=ppt/slides/slide19.xml><?xml version="1.0" encoding="utf-8"?>
 <p:sld xmlns:a="http://schemas.openxmlformats.org/drawingml/2006/main" xmlns:r="http://schemas.openxmlformats.org/officeDocument/2006/relationships" xmlns:p="http://schemas.openxmlformats.org/presentationml/2006/main">
   <p:cSld>
     <p:spTree>
@@ -23154,219 +23219,6 @@
           </a:ln>
         </p:spPr>
       </p:cxnSp>
-    </p:spTree>
-  </p:cSld>
-  <p:clrMapOvr>
-    <a:masterClrMapping/>
-  </p:clrMapOvr>
-</p:sld>
-</file>
-
-<file path=ppt/slides/slide19.xml><?xml version="1.0" encoding="utf-8"?>
-<p:sld xmlns:a="http://schemas.openxmlformats.org/drawingml/2006/main" xmlns:r="http://schemas.openxmlformats.org/officeDocument/2006/relationships" xmlns:p="http://schemas.openxmlformats.org/presentationml/2006/main">
-  <p:cSld>
-    <p:spTree>
-      <p:nvGrpSpPr>
-        <p:cNvPr id="1" name="Shape 371"/>
-        <p:cNvGrpSpPr/>
-        <p:nvPr/>
-      </p:nvGrpSpPr>
-      <p:grpSpPr>
-        <a:xfrm>
-          <a:off x="0" y="0"/>
-          <a:ext cx="0" cy="0"/>
-          <a:chOff x="0" y="0"/>
-          <a:chExt cx="0" cy="0"/>
-        </a:xfrm>
-      </p:grpSpPr>
-      <p:sp>
-        <p:nvSpPr>
-          <p:cNvPr id="372" name="Google Shape;372;p30"/>
-          <p:cNvSpPr txBox="1">
-            <a:spLocks noGrp="1"/>
-          </p:cNvSpPr>
-          <p:nvPr>
-            <p:ph type="title"/>
-          </p:nvPr>
-        </p:nvSpPr>
-        <p:spPr>
-          <a:xfrm>
-            <a:off x="311700" y="445025"/>
-            <a:ext cx="8520600" cy="572700"/>
-          </a:xfrm>
-          <a:prstGeom prst="rect">
-            <a:avLst/>
-          </a:prstGeom>
-        </p:spPr>
-        <p:txBody>
-          <a:bodyPr spcFirstLastPara="1" wrap="square" lIns="91425" tIns="91425" rIns="91425" bIns="91425" anchor="t" anchorCtr="0">
-            <a:normAutofit fontScale="90000"/>
-          </a:bodyPr>
-          <a:lstStyle/>
-          <a:p>
-            <a:pPr marL="0" lvl="0" indent="0" algn="l" rtl="0">
-              <a:spcBef>
-                <a:spcPts val="0"/>
-              </a:spcBef>
-              <a:spcAft>
-                <a:spcPts val="0"/>
-              </a:spcAft>
-              <a:buClr>
-                <a:schemeClr val="dk1"/>
-              </a:buClr>
-              <a:buSzPct val="39285"/>
-              <a:buFont typeface="Arial"/>
-              <a:buNone/>
-            </a:pPr>
-            <a:r>
-              <a:rPr lang="en"/>
-              <a:t>Extended ASCII and UTF-8</a:t>
-            </a:r>
-            <a:endParaRPr/>
-          </a:p>
-          <a:p>
-            <a:pPr marL="0" lvl="0" indent="0" algn="l" rtl="0">
-              <a:spcBef>
-                <a:spcPts val="0"/>
-              </a:spcBef>
-              <a:spcAft>
-                <a:spcPts val="0"/>
-              </a:spcAft>
-              <a:buNone/>
-            </a:pPr>
-            <a:endParaRPr/>
-          </a:p>
-        </p:txBody>
-      </p:sp>
-      <p:sp>
-        <p:nvSpPr>
-          <p:cNvPr id="373" name="Google Shape;373;p30"/>
-          <p:cNvSpPr txBox="1">
-            <a:spLocks noGrp="1"/>
-          </p:cNvSpPr>
-          <p:nvPr>
-            <p:ph type="body" idx="1"/>
-          </p:nvPr>
-        </p:nvSpPr>
-        <p:spPr>
-          <a:xfrm>
-            <a:off x="311700" y="1152475"/>
-            <a:ext cx="8520600" cy="3416400"/>
-          </a:xfrm>
-          <a:prstGeom prst="rect">
-            <a:avLst/>
-          </a:prstGeom>
-        </p:spPr>
-        <p:txBody>
-          <a:bodyPr spcFirstLastPara="1" wrap="square" lIns="91425" tIns="91425" rIns="91425" bIns="91425" anchor="t" anchorCtr="0">
-            <a:normAutofit/>
-          </a:bodyPr>
-          <a:lstStyle/>
-          <a:p>
-            <a:pPr marL="457200" lvl="0" indent="-342900" algn="l" rtl="0">
-              <a:spcBef>
-                <a:spcPts val="0"/>
-              </a:spcBef>
-              <a:spcAft>
-                <a:spcPts val="0"/>
-              </a:spcAft>
-              <a:buSzPts val="1800"/>
-              <a:buChar char="●"/>
-            </a:pPr>
-            <a:r>
-              <a:rPr lang="en"/>
-              <a:t>The list of </a:t>
-            </a:r>
-            <a:r>
-              <a:rPr lang="en" u="sng">
-                <a:solidFill>
-                  <a:schemeClr val="hlink"/>
-                </a:solidFill>
-                <a:hlinkClick r:id="rId3"/>
-              </a:rPr>
-              <a:t>UTF-8 characters</a:t>
-            </a:r>
-            <a:r>
-              <a:rPr lang="en"/>
-              <a:t>:</a:t>
-            </a:r>
-            <a:endParaRPr/>
-          </a:p>
-          <a:p>
-            <a:pPr marL="457200" lvl="0" indent="-342900" algn="l" rtl="0">
-              <a:spcBef>
-                <a:spcPts val="0"/>
-              </a:spcBef>
-              <a:spcAft>
-                <a:spcPts val="0"/>
-              </a:spcAft>
-              <a:buSzPts val="1800"/>
-              <a:buChar char="●"/>
-            </a:pPr>
-            <a:r>
-              <a:rPr lang="en"/>
-              <a:t>Layout of the bits:</a:t>
-            </a:r>
-            <a:endParaRPr/>
-          </a:p>
-          <a:p>
-            <a:pPr marL="457200" lvl="0" indent="-342900" algn="l" rtl="0">
-              <a:spcBef>
-                <a:spcPts val="0"/>
-              </a:spcBef>
-              <a:spcAft>
-                <a:spcPts val="0"/>
-              </a:spcAft>
-              <a:buSzPts val="1800"/>
-              <a:buChar char="●"/>
-            </a:pPr>
-            <a:r>
-              <a:rPr lang="en"/>
-              <a:t>Example on how to lay it out:</a:t>
-            </a:r>
-            <a:endParaRPr sz="1050">
-              <a:solidFill>
-                <a:srgbClr val="333333"/>
-              </a:solidFill>
-              <a:highlight>
-                <a:srgbClr val="F9F9F9"/>
-              </a:highlight>
-              <a:latin typeface="Open Sans"/>
-              <a:ea typeface="Open Sans"/>
-              <a:cs typeface="Open Sans"/>
-              <a:sym typeface="Open Sans"/>
-            </a:endParaRPr>
-          </a:p>
-        </p:txBody>
-      </p:sp>
-      <p:pic>
-        <p:nvPicPr>
-          <p:cNvPr id="374" name="Google Shape;374;p30"/>
-          <p:cNvPicPr preferRelativeResize="0"/>
-          <p:nvPr/>
-        </p:nvPicPr>
-        <p:blipFill>
-          <a:blip r:embed="rId4">
-            <a:alphaModFix/>
-          </a:blip>
-          <a:stretch>
-            <a:fillRect/>
-          </a:stretch>
-        </p:blipFill>
-        <p:spPr>
-          <a:xfrm>
-            <a:off x="311688" y="2349538"/>
-            <a:ext cx="8410575" cy="2219325"/>
-          </a:xfrm>
-          <a:prstGeom prst="rect">
-            <a:avLst/>
-          </a:prstGeom>
-          <a:noFill/>
-          <a:ln>
-            <a:noFill/>
-          </a:ln>
-        </p:spPr>
-      </p:pic>
     </p:spTree>
   </p:cSld>
   <p:clrMapOvr>
@@ -24735,6 +24587,219 @@
 </p:sld>
 </file>
 
+<file path=ppt/slides/slide20.xml><?xml version="1.0" encoding="utf-8"?>
+<p:sld xmlns:a="http://schemas.openxmlformats.org/drawingml/2006/main" xmlns:r="http://schemas.openxmlformats.org/officeDocument/2006/relationships" xmlns:p="http://schemas.openxmlformats.org/presentationml/2006/main">
+  <p:cSld>
+    <p:spTree>
+      <p:nvGrpSpPr>
+        <p:cNvPr id="1" name="Shape 371"/>
+        <p:cNvGrpSpPr/>
+        <p:nvPr/>
+      </p:nvGrpSpPr>
+      <p:grpSpPr>
+        <a:xfrm>
+          <a:off x="0" y="0"/>
+          <a:ext cx="0" cy="0"/>
+          <a:chOff x="0" y="0"/>
+          <a:chExt cx="0" cy="0"/>
+        </a:xfrm>
+      </p:grpSpPr>
+      <p:sp>
+        <p:nvSpPr>
+          <p:cNvPr id="372" name="Google Shape;372;p30"/>
+          <p:cNvSpPr txBox="1">
+            <a:spLocks noGrp="1"/>
+          </p:cNvSpPr>
+          <p:nvPr>
+            <p:ph type="title"/>
+          </p:nvPr>
+        </p:nvSpPr>
+        <p:spPr>
+          <a:xfrm>
+            <a:off x="311700" y="445025"/>
+            <a:ext cx="8520600" cy="572700"/>
+          </a:xfrm>
+          <a:prstGeom prst="rect">
+            <a:avLst/>
+          </a:prstGeom>
+        </p:spPr>
+        <p:txBody>
+          <a:bodyPr spcFirstLastPara="1" wrap="square" lIns="91425" tIns="91425" rIns="91425" bIns="91425" anchor="t" anchorCtr="0">
+            <a:normAutofit fontScale="90000"/>
+          </a:bodyPr>
+          <a:lstStyle/>
+          <a:p>
+            <a:pPr marL="0" lvl="0" indent="0" algn="l" rtl="0">
+              <a:spcBef>
+                <a:spcPts val="0"/>
+              </a:spcBef>
+              <a:spcAft>
+                <a:spcPts val="0"/>
+              </a:spcAft>
+              <a:buClr>
+                <a:schemeClr val="dk1"/>
+              </a:buClr>
+              <a:buSzPct val="39285"/>
+              <a:buFont typeface="Arial"/>
+              <a:buNone/>
+            </a:pPr>
+            <a:r>
+              <a:rPr lang="en"/>
+              <a:t>Extended ASCII and UTF-8</a:t>
+            </a:r>
+            <a:endParaRPr/>
+          </a:p>
+          <a:p>
+            <a:pPr marL="0" lvl="0" indent="0" algn="l" rtl="0">
+              <a:spcBef>
+                <a:spcPts val="0"/>
+              </a:spcBef>
+              <a:spcAft>
+                <a:spcPts val="0"/>
+              </a:spcAft>
+              <a:buNone/>
+            </a:pPr>
+            <a:endParaRPr/>
+          </a:p>
+        </p:txBody>
+      </p:sp>
+      <p:sp>
+        <p:nvSpPr>
+          <p:cNvPr id="373" name="Google Shape;373;p30"/>
+          <p:cNvSpPr txBox="1">
+            <a:spLocks noGrp="1"/>
+          </p:cNvSpPr>
+          <p:nvPr>
+            <p:ph type="body" idx="1"/>
+          </p:nvPr>
+        </p:nvSpPr>
+        <p:spPr>
+          <a:xfrm>
+            <a:off x="311700" y="1152475"/>
+            <a:ext cx="8520600" cy="3416400"/>
+          </a:xfrm>
+          <a:prstGeom prst="rect">
+            <a:avLst/>
+          </a:prstGeom>
+        </p:spPr>
+        <p:txBody>
+          <a:bodyPr spcFirstLastPara="1" wrap="square" lIns="91425" tIns="91425" rIns="91425" bIns="91425" anchor="t" anchorCtr="0">
+            <a:normAutofit/>
+          </a:bodyPr>
+          <a:lstStyle/>
+          <a:p>
+            <a:pPr marL="457200" lvl="0" indent="-342900" algn="l" rtl="0">
+              <a:spcBef>
+                <a:spcPts val="0"/>
+              </a:spcBef>
+              <a:spcAft>
+                <a:spcPts val="0"/>
+              </a:spcAft>
+              <a:buSzPts val="1800"/>
+              <a:buChar char="●"/>
+            </a:pPr>
+            <a:r>
+              <a:rPr lang="en"/>
+              <a:t>The list of </a:t>
+            </a:r>
+            <a:r>
+              <a:rPr lang="en" u="sng">
+                <a:solidFill>
+                  <a:schemeClr val="hlink"/>
+                </a:solidFill>
+                <a:hlinkClick r:id="rId3"/>
+              </a:rPr>
+              <a:t>UTF-8 characters</a:t>
+            </a:r>
+            <a:r>
+              <a:rPr lang="en"/>
+              <a:t>:</a:t>
+            </a:r>
+            <a:endParaRPr/>
+          </a:p>
+          <a:p>
+            <a:pPr marL="457200" lvl="0" indent="-342900" algn="l" rtl="0">
+              <a:spcBef>
+                <a:spcPts val="0"/>
+              </a:spcBef>
+              <a:spcAft>
+                <a:spcPts val="0"/>
+              </a:spcAft>
+              <a:buSzPts val="1800"/>
+              <a:buChar char="●"/>
+            </a:pPr>
+            <a:r>
+              <a:rPr lang="en"/>
+              <a:t>Layout of the bits:</a:t>
+            </a:r>
+            <a:endParaRPr/>
+          </a:p>
+          <a:p>
+            <a:pPr marL="457200" lvl="0" indent="-342900" algn="l" rtl="0">
+              <a:spcBef>
+                <a:spcPts val="0"/>
+              </a:spcBef>
+              <a:spcAft>
+                <a:spcPts val="0"/>
+              </a:spcAft>
+              <a:buSzPts val="1800"/>
+              <a:buChar char="●"/>
+            </a:pPr>
+            <a:r>
+              <a:rPr lang="en"/>
+              <a:t>Example on how to lay it out:</a:t>
+            </a:r>
+            <a:endParaRPr sz="1050">
+              <a:solidFill>
+                <a:srgbClr val="333333"/>
+              </a:solidFill>
+              <a:highlight>
+                <a:srgbClr val="F9F9F9"/>
+              </a:highlight>
+              <a:latin typeface="Open Sans"/>
+              <a:ea typeface="Open Sans"/>
+              <a:cs typeface="Open Sans"/>
+              <a:sym typeface="Open Sans"/>
+            </a:endParaRPr>
+          </a:p>
+        </p:txBody>
+      </p:sp>
+      <p:pic>
+        <p:nvPicPr>
+          <p:cNvPr id="374" name="Google Shape;374;p30"/>
+          <p:cNvPicPr preferRelativeResize="0"/>
+          <p:nvPr/>
+        </p:nvPicPr>
+        <p:blipFill>
+          <a:blip r:embed="rId4">
+            <a:alphaModFix/>
+          </a:blip>
+          <a:stretch>
+            <a:fillRect/>
+          </a:stretch>
+        </p:blipFill>
+        <p:spPr>
+          <a:xfrm>
+            <a:off x="311688" y="2349538"/>
+            <a:ext cx="8410575" cy="2219325"/>
+          </a:xfrm>
+          <a:prstGeom prst="rect">
+            <a:avLst/>
+          </a:prstGeom>
+          <a:noFill/>
+          <a:ln>
+            <a:noFill/>
+          </a:ln>
+        </p:spPr>
+      </p:pic>
+    </p:spTree>
+  </p:cSld>
+  <p:clrMapOvr>
+    <a:masterClrMapping/>
+  </p:clrMapOvr>
+</p:sld>
+</file>
+
 <file path=ppt/slides/slide3.xml><?xml version="1.0" encoding="utf-8"?>
 <p:sld xmlns:a="http://schemas.openxmlformats.org/drawingml/2006/main" xmlns:r="http://schemas.openxmlformats.org/officeDocument/2006/relationships" xmlns:p="http://schemas.openxmlformats.org/presentationml/2006/main">
   <p:cSld>
@@ -27114,7 +27179,7 @@
         </p:nvSpPr>
         <p:spPr>
           <a:xfrm>
-            <a:off x="1273200" y="472838"/>
+            <a:off x="1277850" y="1365325"/>
             <a:ext cx="6778800" cy="652200"/>
           </a:xfrm>
           <a:prstGeom prst="rect">
@@ -27149,10 +27214,10 @@
               <a:buNone/>
             </a:pPr>
             <a:r>
-              <a:rPr lang="en"/>
+              <a:rPr lang="en" dirty="0"/>
               <a:t>Payload</a:t>
             </a:r>
-            <a:endParaRPr/>
+            <a:endParaRPr dirty="0"/>
           </a:p>
         </p:txBody>
       </p:sp>

--- a/format-encodings/slide_presentations/.hidden/introduction-to-encodings.pptx
+++ b/format-encodings/slide_presentations/.hidden/introduction-to-encodings.pptx
@@ -27179,7 +27179,7 @@
         </p:nvSpPr>
         <p:spPr>
           <a:xfrm>
-            <a:off x="1277850" y="1365325"/>
+            <a:off x="1839750" y="-70168"/>
             <a:ext cx="6778800" cy="652200"/>
           </a:xfrm>
           <a:prstGeom prst="rect">
@@ -27331,7 +27331,7 @@
               <a:buNone/>
             </a:pPr>
             <a:r>
-              <a:rPr lang="en" sz="1100">
+              <a:rPr lang="en" sz="1100" dirty="0">
                 <a:highlight>
                   <a:srgbClr val="B6D7A8"/>
                 </a:highlight>
@@ -27343,7 +27343,7 @@
               <a:t>000000000000000000000000000000000000000000000000000000000000000000000000000000000000000000000000</a:t>
             </a:r>
             <a:r>
-              <a:rPr lang="en" sz="1100">
+              <a:rPr lang="en" sz="1100" dirty="0">
                 <a:latin typeface="Source Code Pro"/>
                 <a:ea typeface="Source Code Pro"/>
                 <a:cs typeface="Source Code Pro"/>
@@ -27352,7 +27352,7 @@
               <a:t>10101010101010101010101010101010101010101010101010101010101010110011110000000110001100000100000000101101100011100011110000000110001100000100000000101101100011100000000000000000xxxxxxxxxxxxxxxxxxxxxxxxxxxxxxxx</a:t>
             </a:r>
             <a:r>
-              <a:rPr lang="en" sz="1100">
+              <a:rPr lang="en" sz="1100" dirty="0">
                 <a:highlight>
                   <a:schemeClr val="accent6"/>
                 </a:highlight>
@@ -27364,7 +27364,7 @@
               <a:t>000000000000000000000000000000000000000000000000000000000000000000000000000000000000000000000000</a:t>
             </a:r>
             <a:br>
-              <a:rPr lang="en" sz="1100">
+              <a:rPr lang="en" sz="1100" dirty="0">
                 <a:highlight>
                   <a:schemeClr val="accent6"/>
                 </a:highlight>
@@ -27374,7 +27374,7 @@
                 <a:sym typeface="Source Code Pro"/>
               </a:rPr>
             </a:br>
-            <a:endParaRPr sz="1225">
+            <a:endParaRPr sz="1225" dirty="0">
               <a:highlight>
                 <a:schemeClr val="accent6"/>
               </a:highlight>
@@ -27395,10 +27395,10 @@
               <a:buChar char="●"/>
             </a:pPr>
             <a:r>
-              <a:rPr lang="en" sz="1225"/>
+              <a:rPr lang="en" sz="1225" dirty="0"/>
               <a:t>Inter-Packet Gap, Preamble, and Start of Frame:</a:t>
             </a:r>
-            <a:endParaRPr sz="1225"/>
+            <a:endParaRPr sz="1225" dirty="0"/>
           </a:p>
           <a:p>
             <a:pPr marL="914400" lvl="1" indent="-290512" algn="l" rtl="0">
@@ -27415,7 +27415,7 @@
               <a:buChar char="○"/>
             </a:pPr>
             <a:r>
-              <a:rPr lang="en" sz="1100">
+              <a:rPr lang="en" sz="1100" dirty="0">
                 <a:highlight>
                   <a:srgbClr val="B6D7A8"/>
                 </a:highlight>
@@ -27426,7 +27426,7 @@
               </a:rPr>
               <a:t>00000000 00000000 00000000 00000000 00000000 00000000 00000000 00000000 00000000 00000000 00000000 00000000</a:t>
             </a:r>
-            <a:endParaRPr sz="1100">
+            <a:endParaRPr sz="1100" dirty="0">
               <a:highlight>
                 <a:srgbClr val="B6D7A8"/>
               </a:highlight>
@@ -27451,7 +27451,7 @@
               <a:buChar char="○"/>
             </a:pPr>
             <a:r>
-              <a:rPr lang="en" sz="1100">
+              <a:rPr lang="en" sz="1100" dirty="0">
                 <a:latin typeface="Source Code Pro"/>
                 <a:ea typeface="Source Code Pro"/>
                 <a:cs typeface="Source Code Pro"/>
@@ -27459,7 +27459,7 @@
               </a:rPr>
               <a:t>10101010 10101010 10101010 10101010 10101010 10101010 10101010 </a:t>
             </a:r>
-            <a:endParaRPr sz="1100">
+            <a:endParaRPr sz="1100" dirty="0">
               <a:latin typeface="Source Code Pro"/>
               <a:ea typeface="Source Code Pro"/>
               <a:cs typeface="Source Code Pro"/>
@@ -27481,7 +27481,7 @@
               <a:buChar char="○"/>
             </a:pPr>
             <a:r>
-              <a:rPr lang="en" sz="1100">
+              <a:rPr lang="en" sz="1100" dirty="0">
                 <a:latin typeface="Source Code Pro"/>
                 <a:ea typeface="Source Code Pro"/>
                 <a:cs typeface="Source Code Pro"/>
@@ -27489,7 +27489,7 @@
               </a:rPr>
               <a:t>10101011</a:t>
             </a:r>
-            <a:endParaRPr sz="975"/>
+            <a:endParaRPr sz="975" dirty="0"/>
           </a:p>
           <a:p>
             <a:pPr marL="457200" lvl="0" indent="-302418" algn="l" rtl="0">
@@ -27506,10 +27506,10 @@
               <a:buChar char="●"/>
             </a:pPr>
             <a:r>
-              <a:rPr lang="en" sz="1162"/>
+              <a:rPr lang="en" sz="1162" dirty="0"/>
               <a:t>Mac Address: 3c:06:30:40:2d:8e</a:t>
             </a:r>
-            <a:endParaRPr sz="1162"/>
+            <a:endParaRPr sz="1162" dirty="0"/>
           </a:p>
           <a:p>
             <a:pPr marL="914400" lvl="1" indent="-297006" algn="l" rtl="0">
@@ -27527,7 +27527,7 @@
               <a:buChar char="○"/>
             </a:pPr>
             <a:r>
-              <a:rPr lang="en" sz="1077">
+              <a:rPr lang="en" sz="1077" dirty="0">
                 <a:latin typeface="Source Code Pro"/>
                 <a:ea typeface="Source Code Pro"/>
                 <a:cs typeface="Source Code Pro"/>
@@ -27535,7 +27535,7 @@
               </a:rPr>
               <a:t>0011 1100  :  0000 0110  :  0011 0000  :  0100 0000  :  0010 1101  :  1000 1110</a:t>
             </a:r>
-            <a:endParaRPr sz="1077">
+            <a:endParaRPr sz="1077" dirty="0">
               <a:latin typeface="Source Code Pro"/>
               <a:ea typeface="Source Code Pro"/>
               <a:cs typeface="Source Code Pro"/>
@@ -27557,7 +27557,7 @@
               <a:buChar char="○"/>
             </a:pPr>
             <a:r>
-              <a:rPr lang="en" sz="1077">
+              <a:rPr lang="en" sz="1077" dirty="0">
                 <a:latin typeface="Source Code Pro"/>
                 <a:ea typeface="Source Code Pro"/>
                 <a:cs typeface="Source Code Pro"/>
@@ -27565,7 +27565,7 @@
               </a:rPr>
               <a:t>0011 1100  :  0000 0110  :  0011 0000  :  0100 0000  :  0010 1101  :  1000 1110</a:t>
             </a:r>
-            <a:endParaRPr sz="1077">
+            <a:endParaRPr sz="1077" dirty="0">
               <a:latin typeface="Source Code Pro"/>
               <a:ea typeface="Source Code Pro"/>
               <a:cs typeface="Source Code Pro"/>
@@ -27587,11 +27587,11 @@
               <a:buChar char="●"/>
             </a:pPr>
             <a:r>
-              <a:rPr lang="en" sz="1162"/>
+              <a:rPr lang="en" sz="1162" dirty="0"/>
               <a:t>Length:</a:t>
             </a:r>
             <a:r>
-              <a:rPr lang="en" sz="1162">
+              <a:rPr lang="en" sz="1162" dirty="0">
                 <a:latin typeface="Source Code Pro"/>
                 <a:ea typeface="Source Code Pro"/>
                 <a:cs typeface="Source Code Pro"/>
@@ -27599,7 +27599,7 @@
               </a:rPr>
               <a:t> 0000 0000 0000 0000 </a:t>
             </a:r>
-            <a:endParaRPr sz="1162">
+            <a:endParaRPr sz="1162" dirty="0">
               <a:latin typeface="Source Code Pro"/>
               <a:ea typeface="Source Code Pro"/>
               <a:cs typeface="Source Code Pro"/>
@@ -27621,10 +27621,10 @@
               <a:buChar char="●"/>
             </a:pPr>
             <a:r>
-              <a:rPr lang="en" sz="1225"/>
+              <a:rPr lang="en" sz="1225" dirty="0"/>
               <a:t>Payload:</a:t>
             </a:r>
-            <a:endParaRPr sz="1225"/>
+            <a:endParaRPr sz="1225" dirty="0"/>
           </a:p>
           <a:p>
             <a:pPr marL="457200" lvl="0" indent="-300037" algn="l" rtl="0">
@@ -27641,19 +27641,145 @@
               <a:buChar char="●"/>
             </a:pPr>
             <a:r>
-              <a:rPr lang="en" sz="1225"/>
+              <a:rPr lang="en" sz="1225" dirty="0"/>
               <a:t>CRC:  </a:t>
             </a:r>
             <a:r>
-              <a:rPr lang="en" sz="1100">
+              <a:rPr lang="en" sz="1100" dirty="0" err="1">
                 <a:latin typeface="Source Code Pro"/>
                 <a:ea typeface="Source Code Pro"/>
                 <a:cs typeface="Source Code Pro"/>
                 <a:sym typeface="Source Code Pro"/>
               </a:rPr>
-              <a:t>xxxx xxxx xxxx xxxx xxxx xxxx xxxx xxxx</a:t>
-            </a:r>
-            <a:endParaRPr sz="1225"/>
+              <a:t>xxxx</a:t>
+            </a:r>
+            <a:r>
+              <a:rPr lang="en" sz="1100" dirty="0">
+                <a:latin typeface="Source Code Pro"/>
+                <a:ea typeface="Source Code Pro"/>
+                <a:cs typeface="Source Code Pro"/>
+                <a:sym typeface="Source Code Pro"/>
+              </a:rPr>
+              <a:t> </a:t>
+            </a:r>
+            <a:r>
+              <a:rPr lang="en" sz="1100" dirty="0" err="1">
+                <a:latin typeface="Source Code Pro"/>
+                <a:ea typeface="Source Code Pro"/>
+                <a:cs typeface="Source Code Pro"/>
+                <a:sym typeface="Source Code Pro"/>
+              </a:rPr>
+              <a:t>xxxx</a:t>
+            </a:r>
+            <a:r>
+              <a:rPr lang="en" sz="1100" dirty="0">
+                <a:latin typeface="Source Code Pro"/>
+                <a:ea typeface="Source Code Pro"/>
+                <a:cs typeface="Source Code Pro"/>
+                <a:sym typeface="Source Code Pro"/>
+              </a:rPr>
+              <a:t> </a:t>
+            </a:r>
+            <a:r>
+              <a:rPr lang="en" sz="1100" dirty="0" err="1">
+                <a:latin typeface="Source Code Pro"/>
+                <a:ea typeface="Source Code Pro"/>
+                <a:cs typeface="Source Code Pro"/>
+                <a:sym typeface="Source Code Pro"/>
+              </a:rPr>
+              <a:t>xxxx</a:t>
+            </a:r>
+            <a:r>
+              <a:rPr lang="en" sz="1100" dirty="0">
+                <a:latin typeface="Source Code Pro"/>
+                <a:ea typeface="Source Code Pro"/>
+                <a:cs typeface="Source Code Pro"/>
+                <a:sym typeface="Source Code Pro"/>
+              </a:rPr>
+              <a:t> </a:t>
+            </a:r>
+            <a:r>
+              <a:rPr lang="en" sz="1100" dirty="0" err="1">
+                <a:latin typeface="Source Code Pro"/>
+                <a:ea typeface="Source Code Pro"/>
+                <a:cs typeface="Source Code Pro"/>
+                <a:sym typeface="Source Code Pro"/>
+              </a:rPr>
+              <a:t>xxxx</a:t>
+            </a:r>
+            <a:r>
+              <a:rPr lang="en" sz="1100" dirty="0">
+                <a:latin typeface="Source Code Pro"/>
+                <a:ea typeface="Source Code Pro"/>
+                <a:cs typeface="Source Code Pro"/>
+                <a:sym typeface="Source Code Pro"/>
+              </a:rPr>
+              <a:t> </a:t>
+            </a:r>
+            <a:r>
+              <a:rPr lang="en" sz="1100" dirty="0" err="1">
+                <a:latin typeface="Source Code Pro"/>
+                <a:ea typeface="Source Code Pro"/>
+                <a:cs typeface="Source Code Pro"/>
+                <a:sym typeface="Source Code Pro"/>
+              </a:rPr>
+              <a:t>xxxx</a:t>
+            </a:r>
+            <a:r>
+              <a:rPr lang="en" sz="1100" dirty="0">
+                <a:latin typeface="Source Code Pro"/>
+                <a:ea typeface="Source Code Pro"/>
+                <a:cs typeface="Source Code Pro"/>
+                <a:sym typeface="Source Code Pro"/>
+              </a:rPr>
+              <a:t> </a:t>
+            </a:r>
+            <a:r>
+              <a:rPr lang="en" sz="1100" dirty="0" err="1">
+                <a:latin typeface="Source Code Pro"/>
+                <a:ea typeface="Source Code Pro"/>
+                <a:cs typeface="Source Code Pro"/>
+                <a:sym typeface="Source Code Pro"/>
+              </a:rPr>
+              <a:t>xxxx</a:t>
+            </a:r>
+            <a:r>
+              <a:rPr lang="en" sz="1100" dirty="0">
+                <a:latin typeface="Source Code Pro"/>
+                <a:ea typeface="Source Code Pro"/>
+                <a:cs typeface="Source Code Pro"/>
+                <a:sym typeface="Source Code Pro"/>
+              </a:rPr>
+              <a:t> </a:t>
+            </a:r>
+            <a:r>
+              <a:rPr lang="en" sz="1100" dirty="0" err="1">
+                <a:latin typeface="Source Code Pro"/>
+                <a:ea typeface="Source Code Pro"/>
+                <a:cs typeface="Source Code Pro"/>
+                <a:sym typeface="Source Code Pro"/>
+              </a:rPr>
+              <a:t>xxxx</a:t>
+            </a:r>
+            <a:r>
+              <a:rPr lang="en" sz="1100" dirty="0">
+                <a:latin typeface="Source Code Pro"/>
+                <a:ea typeface="Source Code Pro"/>
+                <a:cs typeface="Source Code Pro"/>
+                <a:sym typeface="Source Code Pro"/>
+              </a:rPr>
+              <a:t> </a:t>
+            </a:r>
+            <a:r>
+              <a:rPr lang="en" sz="1100" dirty="0" err="1">
+                <a:latin typeface="Source Code Pro"/>
+                <a:ea typeface="Source Code Pro"/>
+                <a:cs typeface="Source Code Pro"/>
+                <a:sym typeface="Source Code Pro"/>
+              </a:rPr>
+              <a:t>xxxx</a:t>
+            </a:r>
+            <a:endParaRPr sz="1225" dirty="0"/>
           </a:p>
           <a:p>
             <a:pPr marL="457200" lvl="0" indent="-306387" algn="l" rtl="0">
@@ -27670,10 +27796,10 @@
               <a:buChar char="●"/>
             </a:pPr>
             <a:r>
-              <a:rPr lang="en" sz="1225"/>
+              <a:rPr lang="en" sz="1225" dirty="0"/>
               <a:t>Inter-Packet Gap</a:t>
             </a:r>
-            <a:endParaRPr sz="1225"/>
+            <a:endParaRPr sz="1225" dirty="0"/>
           </a:p>
           <a:p>
             <a:pPr marL="914400" lvl="1" indent="-290512" algn="l" rtl="0">
@@ -27690,7 +27816,7 @@
               <a:buChar char="○"/>
             </a:pPr>
             <a:r>
-              <a:rPr lang="en" sz="1100">
+              <a:rPr lang="en" sz="1100" dirty="0">
                 <a:highlight>
                   <a:schemeClr val="accent6"/>
                 </a:highlight>
@@ -27701,7 +27827,7 @@
               </a:rPr>
               <a:t>00000000 00000000 00000000 00000000 00000000 00000000 00000000 00000000 00000000 00000000 00000000 00000000</a:t>
             </a:r>
-            <a:endParaRPr sz="975">
+            <a:endParaRPr sz="975" dirty="0">
               <a:highlight>
                 <a:schemeClr val="accent6"/>
               </a:highlight>
@@ -27770,10 +27896,10 @@
               <a:buChar char="●"/>
             </a:pPr>
             <a:r>
-              <a:rPr lang="en"/>
+              <a:rPr lang="en" dirty="0"/>
               <a:t>String of bits:</a:t>
             </a:r>
-            <a:endParaRPr/>
+            <a:endParaRPr dirty="0"/>
           </a:p>
           <a:p>
             <a:pPr marL="914400" lvl="1" indent="-297497" algn="l" rtl="0">
@@ -27787,10 +27913,10 @@
               <a:buChar char="○"/>
             </a:pPr>
             <a:r>
-              <a:rPr lang="en"/>
+              <a:rPr lang="en" dirty="0"/>
               <a:t>Inter-Packet Gap, Preamble, Start of Frame</a:t>
             </a:r>
-            <a:endParaRPr/>
+            <a:endParaRPr dirty="0"/>
           </a:p>
           <a:p>
             <a:pPr marL="457200" lvl="0" indent="-317182" algn="l" rtl="0">
@@ -27804,10 +27930,10 @@
               <a:buChar char="●"/>
             </a:pPr>
             <a:r>
-              <a:rPr lang="en"/>
+              <a:rPr lang="en" dirty="0"/>
               <a:t>Binary:</a:t>
             </a:r>
-            <a:endParaRPr/>
+            <a:endParaRPr dirty="0"/>
           </a:p>
           <a:p>
             <a:pPr marL="914400" lvl="1" indent="-297497" algn="l" rtl="0">
@@ -27821,10 +27947,10 @@
               <a:buChar char="○"/>
             </a:pPr>
             <a:r>
-              <a:rPr lang="en"/>
+              <a:rPr lang="en" dirty="0"/>
               <a:t>Flags: Reserved, Don't Fragment, More Fragments</a:t>
             </a:r>
-            <a:endParaRPr/>
+            <a:endParaRPr dirty="0"/>
           </a:p>
           <a:p>
             <a:pPr marL="457200" lvl="0" indent="-317182" algn="l" rtl="0">
@@ -27838,10 +27964,10 @@
               <a:buChar char="●"/>
             </a:pPr>
             <a:r>
-              <a:rPr lang="en"/>
+              <a:rPr lang="en" dirty="0"/>
               <a:t>Integer:</a:t>
             </a:r>
-            <a:endParaRPr/>
+            <a:endParaRPr dirty="0"/>
           </a:p>
           <a:p>
             <a:pPr marL="914400" lvl="1" indent="-297497" algn="l" rtl="0">
@@ -27855,10 +27981,10 @@
               <a:buChar char="○"/>
             </a:pPr>
             <a:r>
-              <a:rPr lang="en"/>
+              <a:rPr lang="en" dirty="0"/>
               <a:t>Length, Version Number, TTL, etc.</a:t>
             </a:r>
-            <a:endParaRPr/>
+            <a:endParaRPr dirty="0"/>
           </a:p>
           <a:p>
             <a:pPr marL="457200" lvl="0" indent="-317182" algn="l" rtl="0">
@@ -27872,10 +27998,10 @@
               <a:buChar char="●"/>
             </a:pPr>
             <a:r>
-              <a:rPr lang="en"/>
+              <a:rPr lang="en" dirty="0"/>
               <a:t>Index:</a:t>
             </a:r>
-            <a:endParaRPr/>
+            <a:endParaRPr dirty="0"/>
           </a:p>
           <a:p>
             <a:pPr marL="914400" lvl="1" indent="-297497" algn="l" rtl="0">
@@ -27889,13 +28015,13 @@
               <a:buChar char="○"/>
             </a:pPr>
             <a:r>
-              <a:rPr lang="en"/>
+              <a:rPr lang="en" dirty="0"/>
               <a:t>Protocol Lookup Table</a:t>
             </a:r>
             <a:br>
-              <a:rPr lang="en"/>
+              <a:rPr lang="en" dirty="0"/>
             </a:br>
-            <a:endParaRPr/>
+            <a:endParaRPr dirty="0"/>
           </a:p>
           <a:p>
             <a:pPr marL="457200" lvl="0" indent="-317182" algn="l" rtl="0">
@@ -27909,10 +28035,10 @@
               <a:buChar char="●"/>
             </a:pPr>
             <a:r>
-              <a:rPr lang="en"/>
+              <a:rPr lang="en" dirty="0"/>
               <a:t>MAC Address:  3c:06:30:40:2d:8e</a:t>
             </a:r>
-            <a:endParaRPr/>
+            <a:endParaRPr dirty="0"/>
           </a:p>
           <a:p>
             <a:pPr marL="914400" lvl="1" indent="-297497" algn="l" rtl="0">
@@ -27926,10 +28052,10 @@
               <a:buChar char="○"/>
             </a:pPr>
             <a:r>
-              <a:rPr lang="en"/>
+              <a:rPr lang="en" dirty="0"/>
               <a:t>0011 1100 : 0000 0100 : 0011 000 : 0100 0000 : 0010 1101 : 1000 1110</a:t>
             </a:r>
-            <a:endParaRPr/>
+            <a:endParaRPr dirty="0"/>
           </a:p>
           <a:p>
             <a:pPr marL="914400" lvl="1" indent="-297497" algn="l" rtl="0">
@@ -27943,10 +28069,10 @@
               <a:buChar char="○"/>
             </a:pPr>
             <a:r>
-              <a:rPr lang="en"/>
+              <a:rPr lang="en" dirty="0"/>
               <a:t>Hexadecimal -&gt; Binary</a:t>
             </a:r>
-            <a:endParaRPr/>
+            <a:endParaRPr dirty="0"/>
           </a:p>
           <a:p>
             <a:pPr marL="457200" lvl="0" indent="-317182" algn="l" rtl="0">
@@ -27960,10 +28086,14 @@
               <a:buChar char="●"/>
             </a:pPr>
             <a:r>
-              <a:rPr lang="en"/>
-              <a:t>IP Address: www.csun.edu</a:t>
-            </a:r>
-            <a:endParaRPr/>
+              <a:rPr lang="en" dirty="0"/>
+              <a:t>IP Address: </a:t>
+            </a:r>
+            <a:r>
+              <a:rPr lang="en" dirty="0" err="1"/>
+              <a:t>www.csun.edu</a:t>
+            </a:r>
+            <a:endParaRPr dirty="0"/>
           </a:p>
           <a:p>
             <a:pPr marL="914400" lvl="1" indent="-297497" algn="l" rtl="0">
@@ -27977,10 +28107,10 @@
               <a:buChar char="○"/>
             </a:pPr>
             <a:r>
-              <a:rPr lang="en"/>
+              <a:rPr lang="en" dirty="0"/>
               <a:t>Dotted Decimal Notation: 130.166.238.19</a:t>
             </a:r>
-            <a:endParaRPr/>
+            <a:endParaRPr dirty="0"/>
           </a:p>
           <a:p>
             <a:pPr marL="914400" lvl="1" indent="-297497" algn="l" rtl="0">
@@ -27994,10 +28124,10 @@
               <a:buChar char="○"/>
             </a:pPr>
             <a:r>
-              <a:rPr lang="en"/>
+              <a:rPr lang="en" dirty="0"/>
               <a:t>1000 0010  .  1010 0110  .  1110 1110 .  0001 0011</a:t>
             </a:r>
-            <a:endParaRPr/>
+            <a:endParaRPr dirty="0"/>
           </a:p>
           <a:p>
             <a:pPr marL="914400" lvl="1" indent="-297497" algn="l" rtl="0">
@@ -28011,10 +28141,10 @@
               <a:buChar char="○"/>
             </a:pPr>
             <a:r>
-              <a:rPr lang="en"/>
+              <a:rPr lang="en" dirty="0"/>
               <a:t>Decimal -&gt; Binary</a:t>
             </a:r>
-            <a:endParaRPr/>
+            <a:endParaRPr dirty="0"/>
           </a:p>
           <a:p>
             <a:pPr marL="457200" lvl="0" indent="-317182" algn="l" rtl="0">
@@ -28028,10 +28158,10 @@
               <a:buChar char="●"/>
             </a:pPr>
             <a:r>
-              <a:rPr lang="en"/>
+              <a:rPr lang="en" dirty="0"/>
               <a:t>Data: (follows the IPv4 header)</a:t>
             </a:r>
-            <a:endParaRPr/>
+            <a:endParaRPr dirty="0"/>
           </a:p>
           <a:p>
             <a:pPr marL="914400" lvl="1" indent="-297497" algn="l" rtl="0">
@@ -28045,10 +28175,10 @@
               <a:buChar char="○"/>
             </a:pPr>
             <a:r>
-              <a:rPr lang="en"/>
+              <a:rPr lang="en" dirty="0"/>
               <a:t>text, images, video, audio, colors, etc.  </a:t>
             </a:r>
-            <a:endParaRPr>
+            <a:endParaRPr dirty="0">
               <a:latin typeface="Source Code Pro"/>
               <a:ea typeface="Source Code Pro"/>
               <a:cs typeface="Source Code Pro"/>

--- a/format-encodings/slide_presentations/.hidden/introduction-to-encodings.pptx
+++ b/format-encodings/slide_presentations/.hidden/introduction-to-encodings.pptx
@@ -27179,7 +27179,7 @@
         </p:nvSpPr>
         <p:spPr>
           <a:xfrm>
-            <a:off x="1839750" y="-70168"/>
+            <a:off x="1277850" y="1383125"/>
             <a:ext cx="6778800" cy="652200"/>
           </a:xfrm>
           <a:prstGeom prst="rect">

--- a/format-encodings/slide_presentations/.hidden/introduction-to-encodings.pptx
+++ b/format-encodings/slide_presentations/.hidden/introduction-to-encodings.pptx
@@ -5,46 +5,47 @@
     <p:sldMasterId id="2147483659" r:id="rId1"/>
   </p:sldMasterIdLst>
   <p:notesMasterIdLst>
-    <p:notesMasterId r:id="rId22"/>
+    <p:notesMasterId r:id="rId23"/>
   </p:notesMasterIdLst>
   <p:sldIdLst>
     <p:sldId id="275" r:id="rId2"/>
-    <p:sldId id="274" r:id="rId3"/>
-    <p:sldId id="256" r:id="rId4"/>
-    <p:sldId id="257" r:id="rId5"/>
-    <p:sldId id="258" r:id="rId6"/>
-    <p:sldId id="259" r:id="rId7"/>
-    <p:sldId id="260" r:id="rId8"/>
-    <p:sldId id="261" r:id="rId9"/>
-    <p:sldId id="262" r:id="rId10"/>
-    <p:sldId id="263" r:id="rId11"/>
-    <p:sldId id="276" r:id="rId12"/>
-    <p:sldId id="264" r:id="rId13"/>
-    <p:sldId id="265" r:id="rId14"/>
-    <p:sldId id="266" r:id="rId15"/>
-    <p:sldId id="267" r:id="rId16"/>
-    <p:sldId id="268" r:id="rId17"/>
-    <p:sldId id="269" r:id="rId18"/>
-    <p:sldId id="271" r:id="rId19"/>
-    <p:sldId id="272" r:id="rId20"/>
-    <p:sldId id="273" r:id="rId21"/>
+    <p:sldId id="277" r:id="rId3"/>
+    <p:sldId id="274" r:id="rId4"/>
+    <p:sldId id="256" r:id="rId5"/>
+    <p:sldId id="257" r:id="rId6"/>
+    <p:sldId id="258" r:id="rId7"/>
+    <p:sldId id="259" r:id="rId8"/>
+    <p:sldId id="260" r:id="rId9"/>
+    <p:sldId id="261" r:id="rId10"/>
+    <p:sldId id="262" r:id="rId11"/>
+    <p:sldId id="263" r:id="rId12"/>
+    <p:sldId id="276" r:id="rId13"/>
+    <p:sldId id="264" r:id="rId14"/>
+    <p:sldId id="265" r:id="rId15"/>
+    <p:sldId id="266" r:id="rId16"/>
+    <p:sldId id="267" r:id="rId17"/>
+    <p:sldId id="268" r:id="rId18"/>
+    <p:sldId id="269" r:id="rId19"/>
+    <p:sldId id="271" r:id="rId20"/>
+    <p:sldId id="272" r:id="rId21"/>
+    <p:sldId id="273" r:id="rId22"/>
   </p:sldIdLst>
   <p:sldSz cx="9144000" cy="5143500" type="screen16x9"/>
   <p:notesSz cx="6858000" cy="9144000"/>
   <p:embeddedFontLst>
     <p:embeddedFont>
       <p:font typeface="Open Sans" panose="020B0606030504020204" pitchFamily="34" charset="0"/>
-      <p:regular r:id="rId23"/>
-      <p:bold r:id="rId24"/>
-      <p:italic r:id="rId25"/>
-      <p:boldItalic r:id="rId26"/>
+      <p:regular r:id="rId24"/>
+      <p:bold r:id="rId25"/>
+      <p:italic r:id="rId26"/>
+      <p:boldItalic r:id="rId27"/>
     </p:embeddedFont>
     <p:embeddedFont>
       <p:font typeface="Source Code Pro" panose="020B0509030403020204" pitchFamily="49" charset="0"/>
-      <p:regular r:id="rId27"/>
-      <p:bold r:id="rId28"/>
-      <p:italic r:id="rId29"/>
-      <p:boldItalic r:id="rId30"/>
+      <p:regular r:id="rId28"/>
+      <p:bold r:id="rId29"/>
+      <p:italic r:id="rId30"/>
+      <p:boldItalic r:id="rId31"/>
     </p:embeddedFont>
   </p:embeddedFontLst>
   <p:defaultTextStyle>
@@ -7288,8 +7289,8 @@
         </p:nvSpPr>
         <p:spPr>
           <a:xfrm>
-            <a:off x="3233056" y="1956227"/>
-            <a:ext cx="2114550" cy="923299"/>
+            <a:off x="1681842" y="1907242"/>
+            <a:ext cx="5780315" cy="1477297"/>
           </a:xfrm>
           <a:prstGeom prst="rect">
             <a:avLst/>
@@ -7303,9 +7304,24 @@
           <a:lstStyle/>
           <a:p>
             <a:r>
-              <a:rPr lang="en-US" sz="4800" dirty="0" err="1"/>
-              <a:t>mjqqt</a:t>
-            </a:r>
+              <a:rPr lang="en-US" sz="3600" dirty="0">
+                <a:solidFill>
+                  <a:srgbClr val="000000"/>
+                </a:solidFill>
+                <a:effectLst/>
+                <a:latin typeface="PT Mono" panose="02060509020205020204" pitchFamily="49" charset="77"/>
+              </a:rPr>
+              <a:t>R29vZCBNb3JuaW5nCg==</a:t>
+            </a:r>
+            <a:br>
+              <a:rPr lang="en-US" sz="3600" dirty="0">
+                <a:solidFill>
+                  <a:srgbClr val="000000"/>
+                </a:solidFill>
+                <a:effectLst/>
+                <a:latin typeface="PT Mono" panose="02060509020205020204" pitchFamily="49" charset="77"/>
+              </a:rPr>
+            </a:br>
             <a:endParaRPr lang="en-US" sz="4800" dirty="0"/>
           </a:p>
         </p:txBody>
@@ -7324,6 +7340,1450 @@
 </file>
 
 <file path=ppt/slides/slide10.xml><?xml version="1.0" encoding="utf-8"?>
+<p:sld xmlns:a="http://schemas.openxmlformats.org/drawingml/2006/main" xmlns:r="http://schemas.openxmlformats.org/officeDocument/2006/relationships" xmlns:p="http://schemas.openxmlformats.org/presentationml/2006/main">
+  <p:cSld>
+    <p:spTree>
+      <p:nvGrpSpPr>
+        <p:cNvPr id="1" name="Shape 107"/>
+        <p:cNvGrpSpPr/>
+        <p:nvPr/>
+      </p:nvGrpSpPr>
+      <p:grpSpPr>
+        <a:xfrm>
+          <a:off x="0" y="0"/>
+          <a:ext cx="0" cy="0"/>
+          <a:chOff x="0" y="0"/>
+          <a:chExt cx="0" cy="0"/>
+        </a:xfrm>
+      </p:grpSpPr>
+      <p:sp>
+        <p:nvSpPr>
+          <p:cNvPr id="108" name="Google Shape;108;p19"/>
+          <p:cNvSpPr txBox="1">
+            <a:spLocks noGrp="1"/>
+          </p:cNvSpPr>
+          <p:nvPr>
+            <p:ph type="title"/>
+          </p:nvPr>
+        </p:nvSpPr>
+        <p:spPr>
+          <a:xfrm>
+            <a:off x="311700" y="445025"/>
+            <a:ext cx="8520600" cy="572700"/>
+          </a:xfrm>
+          <a:prstGeom prst="rect">
+            <a:avLst/>
+          </a:prstGeom>
+        </p:spPr>
+        <p:txBody>
+          <a:bodyPr spcFirstLastPara="1" wrap="square" lIns="91425" tIns="91425" rIns="91425" bIns="91425" anchor="t" anchorCtr="0">
+            <a:normAutofit fontScale="90000"/>
+          </a:bodyPr>
+          <a:lstStyle/>
+          <a:p>
+            <a:pPr marL="0" lvl="0" indent="0" algn="l" rtl="0">
+              <a:spcBef>
+                <a:spcPts val="0"/>
+              </a:spcBef>
+              <a:spcAft>
+                <a:spcPts val="0"/>
+              </a:spcAft>
+              <a:buNone/>
+            </a:pPr>
+            <a:r>
+              <a:rPr lang="en"/>
+              <a:t>Mappings and Functions</a:t>
+            </a:r>
+            <a:endParaRPr/>
+          </a:p>
+        </p:txBody>
+      </p:sp>
+      <p:sp>
+        <p:nvSpPr>
+          <p:cNvPr id="109" name="Google Shape;109;p19"/>
+          <p:cNvSpPr txBox="1">
+            <a:spLocks noGrp="1"/>
+          </p:cNvSpPr>
+          <p:nvPr>
+            <p:ph type="body" idx="1"/>
+          </p:nvPr>
+        </p:nvSpPr>
+        <p:spPr>
+          <a:xfrm>
+            <a:off x="311700" y="1127550"/>
+            <a:ext cx="8520600" cy="3416400"/>
+          </a:xfrm>
+          <a:prstGeom prst="rect">
+            <a:avLst/>
+          </a:prstGeom>
+        </p:spPr>
+        <p:txBody>
+          <a:bodyPr spcFirstLastPara="1" wrap="square" lIns="91425" tIns="91425" rIns="91425" bIns="91425" anchor="t" anchorCtr="0">
+            <a:normAutofit/>
+          </a:bodyPr>
+          <a:lstStyle/>
+          <a:p>
+            <a:pPr marL="457200" lvl="0" indent="-342900" algn="l" rtl="0">
+              <a:spcBef>
+                <a:spcPts val="0"/>
+              </a:spcBef>
+              <a:spcAft>
+                <a:spcPts val="0"/>
+              </a:spcAft>
+              <a:buSzPts val="1800"/>
+              <a:buChar char="●"/>
+            </a:pPr>
+            <a:r>
+              <a:rPr lang="en"/>
+              <a:t>Mapping: defines a relationship </a:t>
+            </a:r>
+            <a:endParaRPr/>
+          </a:p>
+          <a:p>
+            <a:pPr marL="457200" lvl="0" indent="-342900" algn="l" rtl="0">
+              <a:spcBef>
+                <a:spcPts val="0"/>
+              </a:spcBef>
+              <a:spcAft>
+                <a:spcPts val="0"/>
+              </a:spcAft>
+              <a:buSzPts val="1800"/>
+              <a:buChar char="●"/>
+            </a:pPr>
+            <a:r>
+              <a:rPr lang="en"/>
+              <a:t>Function:  a binary relation between two sets</a:t>
+            </a:r>
+            <a:endParaRPr/>
+          </a:p>
+          <a:p>
+            <a:pPr marL="914400" lvl="1" indent="-317500" algn="l" rtl="0">
+              <a:spcBef>
+                <a:spcPts val="0"/>
+              </a:spcBef>
+              <a:spcAft>
+                <a:spcPts val="0"/>
+              </a:spcAft>
+              <a:buSzPts val="1400"/>
+              <a:buChar char="○"/>
+            </a:pPr>
+            <a:r>
+              <a:rPr lang="en"/>
+              <a:t>Encode:  input  -&gt; output</a:t>
+            </a:r>
+            <a:endParaRPr/>
+          </a:p>
+          <a:p>
+            <a:pPr marL="914400" lvl="1" indent="-317500" algn="l" rtl="0">
+              <a:spcBef>
+                <a:spcPts val="0"/>
+              </a:spcBef>
+              <a:spcAft>
+                <a:spcPts val="0"/>
+              </a:spcAft>
+              <a:buSzPts val="1400"/>
+              <a:buChar char="○"/>
+            </a:pPr>
+            <a:r>
+              <a:rPr lang="en"/>
+              <a:t>Decode:  output -&gt; input</a:t>
+            </a:r>
+            <a:endParaRPr/>
+          </a:p>
+          <a:p>
+            <a:pPr marL="457200" lvl="0" indent="-342900" algn="l" rtl="0">
+              <a:spcBef>
+                <a:spcPts val="0"/>
+              </a:spcBef>
+              <a:spcAft>
+                <a:spcPts val="0"/>
+              </a:spcAft>
+              <a:buSzPts val="1800"/>
+              <a:buChar char="●"/>
+            </a:pPr>
+            <a:r>
+              <a:rPr lang="en"/>
+              <a:t>A table can represent a function</a:t>
+            </a:r>
+            <a:endParaRPr/>
+          </a:p>
+        </p:txBody>
+      </p:sp>
+      <p:sp>
+        <p:nvSpPr>
+          <p:cNvPr id="110" name="Google Shape;110;p19"/>
+          <p:cNvSpPr/>
+          <p:nvPr/>
+        </p:nvSpPr>
+        <p:spPr>
+          <a:xfrm>
+            <a:off x="5619975" y="1296713"/>
+            <a:ext cx="666000" cy="1275000"/>
+          </a:xfrm>
+          <a:prstGeom prst="ellipse">
+            <a:avLst/>
+          </a:prstGeom>
+          <a:solidFill>
+            <a:schemeClr val="lt2"/>
+          </a:solidFill>
+          <a:ln w="9525" cap="flat" cmpd="sng">
+            <a:solidFill>
+              <a:schemeClr val="dk2"/>
+            </a:solidFill>
+            <a:prstDash val="solid"/>
+            <a:round/>
+            <a:headEnd type="none" w="sm" len="sm"/>
+            <a:tailEnd type="none" w="sm" len="sm"/>
+          </a:ln>
+        </p:spPr>
+        <p:txBody>
+          <a:bodyPr spcFirstLastPara="1" wrap="square" lIns="91425" tIns="91425" rIns="91425" bIns="91425" anchor="ctr" anchorCtr="0">
+            <a:noAutofit/>
+          </a:bodyPr>
+          <a:lstStyle/>
+          <a:p>
+            <a:pPr marL="0" lvl="0" indent="0" algn="l" rtl="0">
+              <a:spcBef>
+                <a:spcPts val="0"/>
+              </a:spcBef>
+              <a:spcAft>
+                <a:spcPts val="0"/>
+              </a:spcAft>
+              <a:buNone/>
+            </a:pPr>
+            <a:endParaRPr/>
+          </a:p>
+        </p:txBody>
+      </p:sp>
+      <p:sp>
+        <p:nvSpPr>
+          <p:cNvPr id="111" name="Google Shape;111;p19"/>
+          <p:cNvSpPr/>
+          <p:nvPr/>
+        </p:nvSpPr>
+        <p:spPr>
+          <a:xfrm>
+            <a:off x="8100300" y="1296713"/>
+            <a:ext cx="666000" cy="1275000"/>
+          </a:xfrm>
+          <a:prstGeom prst="ellipse">
+            <a:avLst/>
+          </a:prstGeom>
+          <a:solidFill>
+            <a:schemeClr val="lt2"/>
+          </a:solidFill>
+          <a:ln w="9525" cap="flat" cmpd="sng">
+            <a:solidFill>
+              <a:schemeClr val="dk2"/>
+            </a:solidFill>
+            <a:prstDash val="solid"/>
+            <a:round/>
+            <a:headEnd type="none" w="sm" len="sm"/>
+            <a:tailEnd type="none" w="sm" len="sm"/>
+          </a:ln>
+        </p:spPr>
+        <p:txBody>
+          <a:bodyPr spcFirstLastPara="1" wrap="square" lIns="91425" tIns="91425" rIns="91425" bIns="91425" anchor="ctr" anchorCtr="0">
+            <a:noAutofit/>
+          </a:bodyPr>
+          <a:lstStyle/>
+          <a:p>
+            <a:pPr marL="0" lvl="0" indent="0" algn="l" rtl="0">
+              <a:spcBef>
+                <a:spcPts val="0"/>
+              </a:spcBef>
+              <a:spcAft>
+                <a:spcPts val="0"/>
+              </a:spcAft>
+              <a:buNone/>
+            </a:pPr>
+            <a:endParaRPr/>
+          </a:p>
+        </p:txBody>
+      </p:sp>
+      <p:sp>
+        <p:nvSpPr>
+          <p:cNvPr id="112" name="Google Shape;112;p19"/>
+          <p:cNvSpPr txBox="1"/>
+          <p:nvPr/>
+        </p:nvSpPr>
+        <p:spPr>
+          <a:xfrm>
+            <a:off x="5783375" y="1374575"/>
+            <a:ext cx="283800" cy="354000"/>
+          </a:xfrm>
+          <a:prstGeom prst="rect">
+            <a:avLst/>
+          </a:prstGeom>
+          <a:noFill/>
+          <a:ln>
+            <a:noFill/>
+          </a:ln>
+        </p:spPr>
+        <p:txBody>
+          <a:bodyPr spcFirstLastPara="1" wrap="square" lIns="91425" tIns="91425" rIns="91425" bIns="91425" anchor="t" anchorCtr="0">
+            <a:spAutoFit/>
+          </a:bodyPr>
+          <a:lstStyle/>
+          <a:p>
+            <a:pPr marL="0" lvl="0" indent="0" algn="l" rtl="0">
+              <a:spcBef>
+                <a:spcPts val="0"/>
+              </a:spcBef>
+              <a:spcAft>
+                <a:spcPts val="0"/>
+              </a:spcAft>
+              <a:buNone/>
+            </a:pPr>
+            <a:r>
+              <a:rPr lang="en" sz="1100"/>
+              <a:t>a</a:t>
+            </a:r>
+            <a:endParaRPr sz="1100"/>
+          </a:p>
+        </p:txBody>
+      </p:sp>
+      <p:sp>
+        <p:nvSpPr>
+          <p:cNvPr id="113" name="Google Shape;113;p19"/>
+          <p:cNvSpPr txBox="1"/>
+          <p:nvPr/>
+        </p:nvSpPr>
+        <p:spPr>
+          <a:xfrm>
+            <a:off x="8193750" y="2015937"/>
+            <a:ext cx="504000" cy="354000"/>
+          </a:xfrm>
+          <a:prstGeom prst="rect">
+            <a:avLst/>
+          </a:prstGeom>
+          <a:noFill/>
+          <a:ln>
+            <a:noFill/>
+          </a:ln>
+        </p:spPr>
+        <p:txBody>
+          <a:bodyPr spcFirstLastPara="1" wrap="square" lIns="91425" tIns="91425" rIns="91425" bIns="91425" anchor="t" anchorCtr="0">
+            <a:spAutoFit/>
+          </a:bodyPr>
+          <a:lstStyle/>
+          <a:p>
+            <a:pPr marL="0" lvl="0" indent="0" algn="l" rtl="0">
+              <a:spcBef>
+                <a:spcPts val="0"/>
+              </a:spcBef>
+              <a:spcAft>
+                <a:spcPts val="0"/>
+              </a:spcAft>
+              <a:buNone/>
+            </a:pPr>
+            <a:r>
+              <a:rPr lang="en" sz="1100"/>
+              <a:t>0x61</a:t>
+            </a:r>
+            <a:endParaRPr sz="1100"/>
+          </a:p>
+        </p:txBody>
+      </p:sp>
+      <p:sp>
+        <p:nvSpPr>
+          <p:cNvPr id="114" name="Google Shape;114;p19"/>
+          <p:cNvSpPr/>
+          <p:nvPr/>
+        </p:nvSpPr>
+        <p:spPr>
+          <a:xfrm>
+            <a:off x="6966140" y="1294075"/>
+            <a:ext cx="666000" cy="1275000"/>
+          </a:xfrm>
+          <a:prstGeom prst="ellipse">
+            <a:avLst/>
+          </a:prstGeom>
+          <a:solidFill>
+            <a:schemeClr val="lt2"/>
+          </a:solidFill>
+          <a:ln w="9525" cap="flat" cmpd="sng">
+            <a:solidFill>
+              <a:schemeClr val="dk2"/>
+            </a:solidFill>
+            <a:prstDash val="solid"/>
+            <a:round/>
+            <a:headEnd type="none" w="sm" len="sm"/>
+            <a:tailEnd type="none" w="sm" len="sm"/>
+          </a:ln>
+        </p:spPr>
+        <p:txBody>
+          <a:bodyPr spcFirstLastPara="1" wrap="square" lIns="91425" tIns="91425" rIns="91425" bIns="91425" anchor="ctr" anchorCtr="0">
+            <a:noAutofit/>
+          </a:bodyPr>
+          <a:lstStyle/>
+          <a:p>
+            <a:pPr marL="0" lvl="0" indent="0" algn="l" rtl="0">
+              <a:spcBef>
+                <a:spcPts val="0"/>
+              </a:spcBef>
+              <a:spcAft>
+                <a:spcPts val="0"/>
+              </a:spcAft>
+              <a:buNone/>
+            </a:pPr>
+            <a:endParaRPr/>
+          </a:p>
+        </p:txBody>
+      </p:sp>
+      <p:sp>
+        <p:nvSpPr>
+          <p:cNvPr id="115" name="Google Shape;115;p19"/>
+          <p:cNvSpPr txBox="1"/>
+          <p:nvPr/>
+        </p:nvSpPr>
+        <p:spPr>
+          <a:xfrm>
+            <a:off x="7128554" y="2031425"/>
+            <a:ext cx="382500" cy="354000"/>
+          </a:xfrm>
+          <a:prstGeom prst="rect">
+            <a:avLst/>
+          </a:prstGeom>
+          <a:noFill/>
+          <a:ln>
+            <a:noFill/>
+          </a:ln>
+        </p:spPr>
+        <p:txBody>
+          <a:bodyPr spcFirstLastPara="1" wrap="square" lIns="91425" tIns="91425" rIns="91425" bIns="91425" anchor="t" anchorCtr="0">
+            <a:spAutoFit/>
+          </a:bodyPr>
+          <a:lstStyle/>
+          <a:p>
+            <a:pPr marL="0" lvl="0" indent="0" algn="l" rtl="0">
+              <a:spcBef>
+                <a:spcPts val="0"/>
+              </a:spcBef>
+              <a:spcAft>
+                <a:spcPts val="0"/>
+              </a:spcAft>
+              <a:buNone/>
+            </a:pPr>
+            <a:r>
+              <a:rPr lang="en" sz="1100"/>
+              <a:t>97</a:t>
+            </a:r>
+            <a:endParaRPr sz="1100"/>
+          </a:p>
+        </p:txBody>
+      </p:sp>
+      <p:sp>
+        <p:nvSpPr>
+          <p:cNvPr id="116" name="Google Shape;116;p19"/>
+          <p:cNvSpPr txBox="1"/>
+          <p:nvPr/>
+        </p:nvSpPr>
+        <p:spPr>
+          <a:xfrm>
+            <a:off x="5798550" y="1982775"/>
+            <a:ext cx="283800" cy="354000"/>
+          </a:xfrm>
+          <a:prstGeom prst="rect">
+            <a:avLst/>
+          </a:prstGeom>
+          <a:noFill/>
+          <a:ln>
+            <a:noFill/>
+          </a:ln>
+        </p:spPr>
+        <p:txBody>
+          <a:bodyPr spcFirstLastPara="1" wrap="square" lIns="91425" tIns="91425" rIns="91425" bIns="91425" anchor="t" anchorCtr="0">
+            <a:spAutoFit/>
+          </a:bodyPr>
+          <a:lstStyle/>
+          <a:p>
+            <a:pPr marL="0" lvl="0" indent="0" algn="l" rtl="0">
+              <a:spcBef>
+                <a:spcPts val="0"/>
+              </a:spcBef>
+              <a:spcAft>
+                <a:spcPts val="0"/>
+              </a:spcAft>
+              <a:buNone/>
+            </a:pPr>
+            <a:r>
+              <a:rPr lang="en" sz="1100"/>
+              <a:t>{</a:t>
+            </a:r>
+            <a:endParaRPr sz="1100"/>
+          </a:p>
+        </p:txBody>
+      </p:sp>
+      <p:sp>
+        <p:nvSpPr>
+          <p:cNvPr id="117" name="Google Shape;117;p19"/>
+          <p:cNvSpPr txBox="1"/>
+          <p:nvPr/>
+        </p:nvSpPr>
+        <p:spPr>
+          <a:xfrm>
+            <a:off x="7087200" y="1497150"/>
+            <a:ext cx="423900" cy="354000"/>
+          </a:xfrm>
+          <a:prstGeom prst="rect">
+            <a:avLst/>
+          </a:prstGeom>
+          <a:noFill/>
+          <a:ln>
+            <a:noFill/>
+          </a:ln>
+        </p:spPr>
+        <p:txBody>
+          <a:bodyPr spcFirstLastPara="1" wrap="square" lIns="91425" tIns="91425" rIns="91425" bIns="91425" anchor="t" anchorCtr="0">
+            <a:spAutoFit/>
+          </a:bodyPr>
+          <a:lstStyle/>
+          <a:p>
+            <a:pPr marL="0" lvl="0" indent="0" algn="l" rtl="0">
+              <a:spcBef>
+                <a:spcPts val="0"/>
+              </a:spcBef>
+              <a:spcAft>
+                <a:spcPts val="0"/>
+              </a:spcAft>
+              <a:buNone/>
+            </a:pPr>
+            <a:r>
+              <a:rPr lang="en" sz="1100"/>
+              <a:t>123</a:t>
+            </a:r>
+            <a:endParaRPr sz="1100"/>
+          </a:p>
+        </p:txBody>
+      </p:sp>
+      <p:sp>
+        <p:nvSpPr>
+          <p:cNvPr id="118" name="Google Shape;118;p19"/>
+          <p:cNvSpPr txBox="1"/>
+          <p:nvPr/>
+        </p:nvSpPr>
+        <p:spPr>
+          <a:xfrm>
+            <a:off x="8193750" y="1450775"/>
+            <a:ext cx="572700" cy="354000"/>
+          </a:xfrm>
+          <a:prstGeom prst="rect">
+            <a:avLst/>
+          </a:prstGeom>
+          <a:noFill/>
+          <a:ln>
+            <a:noFill/>
+          </a:ln>
+        </p:spPr>
+        <p:txBody>
+          <a:bodyPr spcFirstLastPara="1" wrap="square" lIns="91425" tIns="91425" rIns="91425" bIns="91425" anchor="t" anchorCtr="0">
+            <a:spAutoFit/>
+          </a:bodyPr>
+          <a:lstStyle/>
+          <a:p>
+            <a:pPr marL="0" lvl="0" indent="0" algn="l" rtl="0">
+              <a:spcBef>
+                <a:spcPts val="0"/>
+              </a:spcBef>
+              <a:spcAft>
+                <a:spcPts val="0"/>
+              </a:spcAft>
+              <a:buNone/>
+            </a:pPr>
+            <a:r>
+              <a:rPr lang="en" sz="1100"/>
+              <a:t>0x7B</a:t>
+            </a:r>
+            <a:endParaRPr sz="1100"/>
+          </a:p>
+        </p:txBody>
+      </p:sp>
+      <p:cxnSp>
+        <p:nvCxnSpPr>
+          <p:cNvPr id="119" name="Google Shape;119;p19"/>
+          <p:cNvCxnSpPr>
+            <a:stCxn id="112" idx="3"/>
+            <a:endCxn id="115" idx="1"/>
+          </p:cNvCxnSpPr>
+          <p:nvPr/>
+        </p:nvCxnSpPr>
+        <p:spPr>
+          <a:xfrm>
+            <a:off x="6067175" y="1551575"/>
+            <a:ext cx="1061400" cy="657000"/>
+          </a:xfrm>
+          <a:prstGeom prst="straightConnector1">
+            <a:avLst/>
+          </a:prstGeom>
+          <a:noFill/>
+          <a:ln w="9525" cap="flat" cmpd="sng">
+            <a:solidFill>
+              <a:schemeClr val="dk2"/>
+            </a:solidFill>
+            <a:prstDash val="solid"/>
+            <a:round/>
+            <a:headEnd type="none" w="med" len="med"/>
+            <a:tailEnd type="triangle" w="med" len="med"/>
+          </a:ln>
+        </p:spPr>
+      </p:cxnSp>
+      <p:cxnSp>
+        <p:nvCxnSpPr>
+          <p:cNvPr id="120" name="Google Shape;120;p19"/>
+          <p:cNvCxnSpPr>
+            <a:stCxn id="116" idx="3"/>
+            <a:endCxn id="117" idx="1"/>
+          </p:cNvCxnSpPr>
+          <p:nvPr/>
+        </p:nvCxnSpPr>
+        <p:spPr>
+          <a:xfrm rot="10800000" flipH="1">
+            <a:off x="6082350" y="1674075"/>
+            <a:ext cx="1005000" cy="485700"/>
+          </a:xfrm>
+          <a:prstGeom prst="straightConnector1">
+            <a:avLst/>
+          </a:prstGeom>
+          <a:noFill/>
+          <a:ln w="9525" cap="flat" cmpd="sng">
+            <a:solidFill>
+              <a:schemeClr val="dk2"/>
+            </a:solidFill>
+            <a:prstDash val="solid"/>
+            <a:round/>
+            <a:headEnd type="none" w="med" len="med"/>
+            <a:tailEnd type="triangle" w="med" len="med"/>
+          </a:ln>
+        </p:spPr>
+      </p:cxnSp>
+      <p:cxnSp>
+        <p:nvCxnSpPr>
+          <p:cNvPr id="121" name="Google Shape;121;p19"/>
+          <p:cNvCxnSpPr>
+            <a:stCxn id="117" idx="3"/>
+            <a:endCxn id="118" idx="1"/>
+          </p:cNvCxnSpPr>
+          <p:nvPr/>
+        </p:nvCxnSpPr>
+        <p:spPr>
+          <a:xfrm rot="10800000" flipH="1">
+            <a:off x="7511100" y="1627650"/>
+            <a:ext cx="682800" cy="46500"/>
+          </a:xfrm>
+          <a:prstGeom prst="straightConnector1">
+            <a:avLst/>
+          </a:prstGeom>
+          <a:noFill/>
+          <a:ln w="9525" cap="flat" cmpd="sng">
+            <a:solidFill>
+              <a:schemeClr val="dk2"/>
+            </a:solidFill>
+            <a:prstDash val="solid"/>
+            <a:round/>
+            <a:headEnd type="none" w="med" len="med"/>
+            <a:tailEnd type="triangle" w="med" len="med"/>
+          </a:ln>
+        </p:spPr>
+      </p:cxnSp>
+      <p:cxnSp>
+        <p:nvCxnSpPr>
+          <p:cNvPr id="122" name="Google Shape;122;p19"/>
+          <p:cNvCxnSpPr>
+            <a:stCxn id="115" idx="3"/>
+            <a:endCxn id="113" idx="1"/>
+          </p:cNvCxnSpPr>
+          <p:nvPr/>
+        </p:nvCxnSpPr>
+        <p:spPr>
+          <a:xfrm rot="10800000" flipH="1">
+            <a:off x="7511054" y="2192825"/>
+            <a:ext cx="682800" cy="15600"/>
+          </a:xfrm>
+          <a:prstGeom prst="straightConnector1">
+            <a:avLst/>
+          </a:prstGeom>
+          <a:noFill/>
+          <a:ln w="9525" cap="flat" cmpd="sng">
+            <a:solidFill>
+              <a:schemeClr val="dk2"/>
+            </a:solidFill>
+            <a:prstDash val="solid"/>
+            <a:round/>
+            <a:headEnd type="none" w="med" len="med"/>
+            <a:tailEnd type="triangle" w="med" len="med"/>
+          </a:ln>
+        </p:spPr>
+      </p:cxnSp>
+      <p:sp>
+        <p:nvSpPr>
+          <p:cNvPr id="123" name="Google Shape;123;p19"/>
+          <p:cNvSpPr txBox="1"/>
+          <p:nvPr/>
+        </p:nvSpPr>
+        <p:spPr>
+          <a:xfrm>
+            <a:off x="5433875" y="789375"/>
+            <a:ext cx="1005000" cy="384900"/>
+          </a:xfrm>
+          <a:prstGeom prst="rect">
+            <a:avLst/>
+          </a:prstGeom>
+          <a:noFill/>
+          <a:ln>
+            <a:noFill/>
+          </a:ln>
+        </p:spPr>
+        <p:txBody>
+          <a:bodyPr spcFirstLastPara="1" wrap="square" lIns="91425" tIns="91425" rIns="91425" bIns="91425" anchor="t" anchorCtr="0">
+            <a:spAutoFit/>
+          </a:bodyPr>
+          <a:lstStyle/>
+          <a:p>
+            <a:pPr marL="0" lvl="0" indent="0" algn="l" rtl="0">
+              <a:spcBef>
+                <a:spcPts val="0"/>
+              </a:spcBef>
+              <a:spcAft>
+                <a:spcPts val="0"/>
+              </a:spcAft>
+              <a:buNone/>
+            </a:pPr>
+            <a:r>
+              <a:rPr lang="en" sz="1300"/>
+              <a:t>characters</a:t>
+            </a:r>
+            <a:endParaRPr sz="1300"/>
+          </a:p>
+        </p:txBody>
+      </p:sp>
+      <p:sp>
+        <p:nvSpPr>
+          <p:cNvPr id="124" name="Google Shape;124;p19"/>
+          <p:cNvSpPr txBox="1"/>
+          <p:nvPr/>
+        </p:nvSpPr>
+        <p:spPr>
+          <a:xfrm>
+            <a:off x="6872850" y="553900"/>
+            <a:ext cx="1005000" cy="585000"/>
+          </a:xfrm>
+          <a:prstGeom prst="rect">
+            <a:avLst/>
+          </a:prstGeom>
+          <a:noFill/>
+          <a:ln>
+            <a:noFill/>
+          </a:ln>
+        </p:spPr>
+        <p:txBody>
+          <a:bodyPr spcFirstLastPara="1" wrap="square" lIns="91425" tIns="91425" rIns="91425" bIns="91425" anchor="t" anchorCtr="0">
+            <a:spAutoFit/>
+          </a:bodyPr>
+          <a:lstStyle/>
+          <a:p>
+            <a:pPr marL="0" lvl="0" indent="0" algn="l" rtl="0">
+              <a:spcBef>
+                <a:spcPts val="0"/>
+              </a:spcBef>
+              <a:spcAft>
+                <a:spcPts val="0"/>
+              </a:spcAft>
+              <a:buNone/>
+            </a:pPr>
+            <a:r>
+              <a:rPr lang="en" sz="1300"/>
+              <a:t>decimal</a:t>
+            </a:r>
+            <a:br>
+              <a:rPr lang="en" sz="1300"/>
+            </a:br>
+            <a:r>
+              <a:rPr lang="en" sz="1300"/>
+              <a:t>numbers</a:t>
+            </a:r>
+            <a:endParaRPr sz="1300"/>
+          </a:p>
+        </p:txBody>
+      </p:sp>
+      <p:sp>
+        <p:nvSpPr>
+          <p:cNvPr id="125" name="Google Shape;125;p19"/>
+          <p:cNvSpPr txBox="1"/>
+          <p:nvPr/>
+        </p:nvSpPr>
+        <p:spPr>
+          <a:xfrm>
+            <a:off x="7930800" y="589275"/>
+            <a:ext cx="1259400" cy="585000"/>
+          </a:xfrm>
+          <a:prstGeom prst="rect">
+            <a:avLst/>
+          </a:prstGeom>
+          <a:noFill/>
+          <a:ln>
+            <a:noFill/>
+          </a:ln>
+        </p:spPr>
+        <p:txBody>
+          <a:bodyPr spcFirstLastPara="1" wrap="square" lIns="91425" tIns="91425" rIns="91425" bIns="91425" anchor="t" anchorCtr="0">
+            <a:spAutoFit/>
+          </a:bodyPr>
+          <a:lstStyle/>
+          <a:p>
+            <a:pPr marL="0" lvl="0" indent="0" algn="l" rtl="0">
+              <a:spcBef>
+                <a:spcPts val="0"/>
+              </a:spcBef>
+              <a:spcAft>
+                <a:spcPts val="0"/>
+              </a:spcAft>
+              <a:buNone/>
+            </a:pPr>
+            <a:r>
+              <a:rPr lang="en" sz="1300"/>
+              <a:t>hexadecimal</a:t>
+            </a:r>
+            <a:br>
+              <a:rPr lang="en" sz="1300"/>
+            </a:br>
+            <a:r>
+              <a:rPr lang="en" sz="1300"/>
+              <a:t>numbers</a:t>
+            </a:r>
+            <a:endParaRPr sz="1300"/>
+          </a:p>
+        </p:txBody>
+      </p:sp>
+      <p:graphicFrame>
+        <p:nvGraphicFramePr>
+          <p:cNvPr id="126" name="Google Shape;126;p19"/>
+          <p:cNvGraphicFramePr/>
+          <p:nvPr/>
+        </p:nvGraphicFramePr>
+        <p:xfrm>
+          <a:off x="929650" y="2726075"/>
+          <a:ext cx="3429150" cy="2218950"/>
+        </p:xfrm>
+        <a:graphic>
+          <a:graphicData uri="http://schemas.openxmlformats.org/drawingml/2006/table">
+            <a:tbl>
+              <a:tblPr>
+                <a:noFill/>
+                <a:tableStyleId>{3D7BCBB5-9D7D-4139-8AE8-B16A8BD0D231}</a:tableStyleId>
+              </a:tblPr>
+              <a:tblGrid>
+                <a:gridCol w="1114475">
+                  <a:extLst>
+                    <a:ext uri="{9D8B030D-6E8A-4147-A177-3AD203B41FA5}">
+                      <a16:colId xmlns:a16="http://schemas.microsoft.com/office/drawing/2014/main" val="20000"/>
+                    </a:ext>
+                  </a:extLst>
+                </a:gridCol>
+                <a:gridCol w="1171625">
+                  <a:extLst>
+                    <a:ext uri="{9D8B030D-6E8A-4147-A177-3AD203B41FA5}">
+                      <a16:colId xmlns:a16="http://schemas.microsoft.com/office/drawing/2014/main" val="20001"/>
+                    </a:ext>
+                  </a:extLst>
+                </a:gridCol>
+                <a:gridCol w="1143050">
+                  <a:extLst>
+                    <a:ext uri="{9D8B030D-6E8A-4147-A177-3AD203B41FA5}">
+                      <a16:colId xmlns:a16="http://schemas.microsoft.com/office/drawing/2014/main" val="20002"/>
+                    </a:ext>
+                  </a:extLst>
+                </a:gridCol>
+              </a:tblGrid>
+              <a:tr h="390300">
+                <a:tc>
+                  <a:txBody>
+                    <a:bodyPr/>
+                    <a:lstStyle/>
+                    <a:p>
+                      <a:pPr marL="0" lvl="0" indent="0" algn="ctr" rtl="0">
+                        <a:spcBef>
+                          <a:spcPts val="0"/>
+                        </a:spcBef>
+                        <a:spcAft>
+                          <a:spcPts val="0"/>
+                        </a:spcAft>
+                        <a:buNone/>
+                      </a:pPr>
+                      <a:r>
+                        <a:rPr lang="en" sz="1200"/>
+                        <a:t>INPUT</a:t>
+                      </a:r>
+                      <a:endParaRPr sz="1200"/>
+                    </a:p>
+                  </a:txBody>
+                  <a:tcPr marL="91425" marR="91425" marT="91425" marB="91425"/>
+                </a:tc>
+                <a:tc>
+                  <a:txBody>
+                    <a:bodyPr/>
+                    <a:lstStyle/>
+                    <a:p>
+                      <a:pPr marL="0" lvl="0" indent="0" algn="ctr" rtl="0">
+                        <a:spcBef>
+                          <a:spcPts val="0"/>
+                        </a:spcBef>
+                        <a:spcAft>
+                          <a:spcPts val="0"/>
+                        </a:spcAft>
+                        <a:buNone/>
+                      </a:pPr>
+                      <a:r>
+                        <a:rPr lang="en" sz="1200"/>
+                        <a:t>OUTPUT 1</a:t>
+                      </a:r>
+                      <a:endParaRPr sz="1200"/>
+                    </a:p>
+                  </a:txBody>
+                  <a:tcPr marL="91425" marR="91425" marT="91425" marB="91425"/>
+                </a:tc>
+                <a:tc>
+                  <a:txBody>
+                    <a:bodyPr/>
+                    <a:lstStyle/>
+                    <a:p>
+                      <a:pPr marL="0" lvl="0" indent="0" algn="ctr" rtl="0">
+                        <a:spcBef>
+                          <a:spcPts val="0"/>
+                        </a:spcBef>
+                        <a:spcAft>
+                          <a:spcPts val="0"/>
+                        </a:spcAft>
+                        <a:buNone/>
+                      </a:pPr>
+                      <a:r>
+                        <a:rPr lang="en" sz="1200">
+                          <a:solidFill>
+                            <a:schemeClr val="dk1"/>
+                          </a:solidFill>
+                        </a:rPr>
+                        <a:t>OUTPUT 2</a:t>
+                      </a:r>
+                      <a:endParaRPr sz="1200"/>
+                    </a:p>
+                  </a:txBody>
+                  <a:tcPr marL="91425" marR="91425" marT="91425" marB="91425"/>
+                </a:tc>
+                <a:extLst>
+                  <a:ext uri="{0D108BD9-81ED-4DB2-BD59-A6C34878D82A}">
+                    <a16:rowId xmlns:a16="http://schemas.microsoft.com/office/drawing/2014/main" val="10000"/>
+                  </a:ext>
+                </a:extLst>
+              </a:tr>
+              <a:tr h="304775">
+                <a:tc>
+                  <a:txBody>
+                    <a:bodyPr/>
+                    <a:lstStyle/>
+                    <a:p>
+                      <a:pPr marL="0" lvl="0" indent="0" algn="ctr" rtl="0">
+                        <a:spcBef>
+                          <a:spcPts val="0"/>
+                        </a:spcBef>
+                        <a:spcAft>
+                          <a:spcPts val="0"/>
+                        </a:spcAft>
+                        <a:buNone/>
+                      </a:pPr>
+                      <a:r>
+                        <a:rPr lang="en" sz="1200"/>
+                        <a:t>5</a:t>
+                      </a:r>
+                      <a:endParaRPr sz="1200"/>
+                    </a:p>
+                  </a:txBody>
+                  <a:tcPr marL="91425" marR="91425" marT="91425" marB="91425"/>
+                </a:tc>
+                <a:tc>
+                  <a:txBody>
+                    <a:bodyPr/>
+                    <a:lstStyle/>
+                    <a:p>
+                      <a:pPr marL="0" lvl="0" indent="0" algn="ctr" rtl="0">
+                        <a:spcBef>
+                          <a:spcPts val="0"/>
+                        </a:spcBef>
+                        <a:spcAft>
+                          <a:spcPts val="0"/>
+                        </a:spcAft>
+                        <a:buNone/>
+                      </a:pPr>
+                      <a:r>
+                        <a:rPr lang="en" sz="1200"/>
+                        <a:t>8</a:t>
+                      </a:r>
+                      <a:endParaRPr sz="1200"/>
+                    </a:p>
+                  </a:txBody>
+                  <a:tcPr marL="91425" marR="91425" marT="91425" marB="91425"/>
+                </a:tc>
+                <a:tc>
+                  <a:txBody>
+                    <a:bodyPr/>
+                    <a:lstStyle/>
+                    <a:p>
+                      <a:pPr marL="0" lvl="0" indent="0" algn="ctr" rtl="0">
+                        <a:spcBef>
+                          <a:spcPts val="0"/>
+                        </a:spcBef>
+                        <a:spcAft>
+                          <a:spcPts val="0"/>
+                        </a:spcAft>
+                        <a:buNone/>
+                      </a:pPr>
+                      <a:r>
+                        <a:rPr lang="en" sz="1200"/>
+                        <a:t>53</a:t>
+                      </a:r>
+                      <a:endParaRPr sz="1200"/>
+                    </a:p>
+                  </a:txBody>
+                  <a:tcPr marL="91425" marR="91425" marT="91425" marB="91425"/>
+                </a:tc>
+                <a:extLst>
+                  <a:ext uri="{0D108BD9-81ED-4DB2-BD59-A6C34878D82A}">
+                    <a16:rowId xmlns:a16="http://schemas.microsoft.com/office/drawing/2014/main" val="10001"/>
+                  </a:ext>
+                </a:extLst>
+              </a:tr>
+              <a:tr h="238325">
+                <a:tc>
+                  <a:txBody>
+                    <a:bodyPr/>
+                    <a:lstStyle/>
+                    <a:p>
+                      <a:pPr marL="0" lvl="0" indent="0" algn="ctr" rtl="0">
+                        <a:spcBef>
+                          <a:spcPts val="0"/>
+                        </a:spcBef>
+                        <a:spcAft>
+                          <a:spcPts val="0"/>
+                        </a:spcAft>
+                        <a:buNone/>
+                      </a:pPr>
+                      <a:r>
+                        <a:rPr lang="en" sz="1200"/>
+                        <a:t>2</a:t>
+                      </a:r>
+                      <a:endParaRPr sz="1200"/>
+                    </a:p>
+                  </a:txBody>
+                  <a:tcPr marL="91425" marR="91425" marT="91425" marB="91425"/>
+                </a:tc>
+                <a:tc>
+                  <a:txBody>
+                    <a:bodyPr/>
+                    <a:lstStyle/>
+                    <a:p>
+                      <a:pPr marL="0" lvl="0" indent="0" algn="ctr" rtl="0">
+                        <a:spcBef>
+                          <a:spcPts val="0"/>
+                        </a:spcBef>
+                        <a:spcAft>
+                          <a:spcPts val="0"/>
+                        </a:spcAft>
+                        <a:buNone/>
+                      </a:pPr>
+                      <a:r>
+                        <a:rPr lang="en" sz="1200"/>
+                        <a:t>5</a:t>
+                      </a:r>
+                      <a:endParaRPr sz="1200"/>
+                    </a:p>
+                  </a:txBody>
+                  <a:tcPr marL="91425" marR="91425" marT="91425" marB="91425"/>
+                </a:tc>
+                <a:tc>
+                  <a:txBody>
+                    <a:bodyPr/>
+                    <a:lstStyle/>
+                    <a:p>
+                      <a:pPr marL="0" lvl="0" indent="0" algn="ctr" rtl="0">
+                        <a:spcBef>
+                          <a:spcPts val="0"/>
+                        </a:spcBef>
+                        <a:spcAft>
+                          <a:spcPts val="0"/>
+                        </a:spcAft>
+                        <a:buNone/>
+                      </a:pPr>
+                      <a:r>
+                        <a:rPr lang="en" sz="1200"/>
+                        <a:t>50</a:t>
+                      </a:r>
+                      <a:endParaRPr sz="1200"/>
+                    </a:p>
+                  </a:txBody>
+                  <a:tcPr marL="91425" marR="91425" marT="91425" marB="91425"/>
+                </a:tc>
+                <a:extLst>
+                  <a:ext uri="{0D108BD9-81ED-4DB2-BD59-A6C34878D82A}">
+                    <a16:rowId xmlns:a16="http://schemas.microsoft.com/office/drawing/2014/main" val="10002"/>
+                  </a:ext>
+                </a:extLst>
+              </a:tr>
+              <a:tr h="230000">
+                <a:tc>
+                  <a:txBody>
+                    <a:bodyPr/>
+                    <a:lstStyle/>
+                    <a:p>
+                      <a:pPr marL="0" lvl="0" indent="0" algn="ctr" rtl="0">
+                        <a:spcBef>
+                          <a:spcPts val="0"/>
+                        </a:spcBef>
+                        <a:spcAft>
+                          <a:spcPts val="0"/>
+                        </a:spcAft>
+                        <a:buNone/>
+                      </a:pPr>
+                      <a:r>
+                        <a:rPr lang="en" sz="1200"/>
+                        <a:t>4</a:t>
+                      </a:r>
+                      <a:endParaRPr sz="1200"/>
+                    </a:p>
+                  </a:txBody>
+                  <a:tcPr marL="91425" marR="91425" marT="91425" marB="91425"/>
+                </a:tc>
+                <a:tc>
+                  <a:txBody>
+                    <a:bodyPr/>
+                    <a:lstStyle/>
+                    <a:p>
+                      <a:pPr marL="0" lvl="0" indent="0" algn="ctr" rtl="0">
+                        <a:spcBef>
+                          <a:spcPts val="0"/>
+                        </a:spcBef>
+                        <a:spcAft>
+                          <a:spcPts val="0"/>
+                        </a:spcAft>
+                        <a:buNone/>
+                      </a:pPr>
+                      <a:r>
+                        <a:rPr lang="en" sz="1200"/>
+                        <a:t>7</a:t>
+                      </a:r>
+                      <a:endParaRPr sz="1200"/>
+                    </a:p>
+                  </a:txBody>
+                  <a:tcPr marL="91425" marR="91425" marT="91425" marB="91425"/>
+                </a:tc>
+                <a:tc>
+                  <a:txBody>
+                    <a:bodyPr/>
+                    <a:lstStyle/>
+                    <a:p>
+                      <a:pPr marL="0" lvl="0" indent="0" algn="ctr" rtl="0">
+                        <a:spcBef>
+                          <a:spcPts val="0"/>
+                        </a:spcBef>
+                        <a:spcAft>
+                          <a:spcPts val="0"/>
+                        </a:spcAft>
+                        <a:buNone/>
+                      </a:pPr>
+                      <a:r>
+                        <a:rPr lang="en" sz="1200"/>
+                        <a:t>52</a:t>
+                      </a:r>
+                      <a:endParaRPr sz="1200"/>
+                    </a:p>
+                  </a:txBody>
+                  <a:tcPr marL="91425" marR="91425" marT="91425" marB="91425"/>
+                </a:tc>
+                <a:extLst>
+                  <a:ext uri="{0D108BD9-81ED-4DB2-BD59-A6C34878D82A}">
+                    <a16:rowId xmlns:a16="http://schemas.microsoft.com/office/drawing/2014/main" val="10003"/>
+                  </a:ext>
+                </a:extLst>
+              </a:tr>
+              <a:tr h="362975">
+                <a:tc>
+                  <a:txBody>
+                    <a:bodyPr/>
+                    <a:lstStyle/>
+                    <a:p>
+                      <a:pPr marL="0" lvl="0" indent="0" algn="ctr" rtl="0">
+                        <a:spcBef>
+                          <a:spcPts val="0"/>
+                        </a:spcBef>
+                        <a:spcAft>
+                          <a:spcPts val="0"/>
+                        </a:spcAft>
+                        <a:buNone/>
+                      </a:pPr>
+                      <a:r>
+                        <a:rPr lang="en" sz="1200"/>
+                        <a:t>9</a:t>
+                      </a:r>
+                      <a:endParaRPr sz="1200"/>
+                    </a:p>
+                  </a:txBody>
+                  <a:tcPr marL="91425" marR="91425" marT="91425" marB="91425"/>
+                </a:tc>
+                <a:tc>
+                  <a:txBody>
+                    <a:bodyPr/>
+                    <a:lstStyle/>
+                    <a:p>
+                      <a:pPr marL="0" lvl="0" indent="0" algn="ctr" rtl="0">
+                        <a:spcBef>
+                          <a:spcPts val="0"/>
+                        </a:spcBef>
+                        <a:spcAft>
+                          <a:spcPts val="0"/>
+                        </a:spcAft>
+                        <a:buNone/>
+                      </a:pPr>
+                      <a:r>
+                        <a:rPr lang="en" sz="1200" dirty="0"/>
+                        <a:t>? </a:t>
+                      </a:r>
+                      <a:endParaRPr sz="1200" dirty="0"/>
+                    </a:p>
+                  </a:txBody>
+                  <a:tcPr marL="91425" marR="91425" marT="91425" marB="91425"/>
+                </a:tc>
+                <a:tc>
+                  <a:txBody>
+                    <a:bodyPr/>
+                    <a:lstStyle/>
+                    <a:p>
+                      <a:pPr marL="0" lvl="0" indent="0" algn="ctr" rtl="0">
+                        <a:spcBef>
+                          <a:spcPts val="0"/>
+                        </a:spcBef>
+                        <a:spcAft>
+                          <a:spcPts val="0"/>
+                        </a:spcAft>
+                        <a:buNone/>
+                      </a:pPr>
+                      <a:r>
+                        <a:rPr lang="en" sz="1200"/>
+                        <a:t>?</a:t>
+                      </a:r>
+                      <a:endParaRPr sz="1200"/>
+                    </a:p>
+                  </a:txBody>
+                  <a:tcPr marL="91425" marR="91425" marT="91425" marB="91425"/>
+                </a:tc>
+                <a:extLst>
+                  <a:ext uri="{0D108BD9-81ED-4DB2-BD59-A6C34878D82A}">
+                    <a16:rowId xmlns:a16="http://schemas.microsoft.com/office/drawing/2014/main" val="10004"/>
+                  </a:ext>
+                </a:extLst>
+              </a:tr>
+              <a:tr h="304800">
+                <a:tc>
+                  <a:txBody>
+                    <a:bodyPr/>
+                    <a:lstStyle/>
+                    <a:p>
+                      <a:pPr marL="0" lvl="0" indent="0" algn="ctr" rtl="0">
+                        <a:spcBef>
+                          <a:spcPts val="0"/>
+                        </a:spcBef>
+                        <a:spcAft>
+                          <a:spcPts val="0"/>
+                        </a:spcAft>
+                        <a:buNone/>
+                      </a:pPr>
+                      <a:r>
+                        <a:rPr lang="en" sz="1200"/>
+                        <a:t>h</a:t>
+                      </a:r>
+                      <a:endParaRPr sz="1200"/>
+                    </a:p>
+                  </a:txBody>
+                  <a:tcPr marL="91425" marR="91425" marT="91425" marB="91425"/>
+                </a:tc>
+                <a:tc>
+                  <a:txBody>
+                    <a:bodyPr/>
+                    <a:lstStyle/>
+                    <a:p>
+                      <a:pPr marL="0" lvl="0" indent="0" algn="ctr" rtl="0">
+                        <a:spcBef>
+                          <a:spcPts val="0"/>
+                        </a:spcBef>
+                        <a:spcAft>
+                          <a:spcPts val="0"/>
+                        </a:spcAft>
+                        <a:buNone/>
+                      </a:pPr>
+                      <a:r>
+                        <a:rPr lang="en" sz="1200"/>
+                        <a:t>? </a:t>
+                      </a:r>
+                      <a:r>
+                        <a:rPr lang="en" sz="1200">
+                          <a:highlight>
+                            <a:schemeClr val="dk1"/>
+                          </a:highlight>
+                        </a:rPr>
+                        <a:t>k</a:t>
+                      </a:r>
+                      <a:endParaRPr sz="1200">
+                        <a:highlight>
+                          <a:schemeClr val="dk1"/>
+                        </a:highlight>
+                      </a:endParaRPr>
+                    </a:p>
+                  </a:txBody>
+                  <a:tcPr marL="91425" marR="91425" marT="91425" marB="91425"/>
+                </a:tc>
+                <a:tc>
+                  <a:txBody>
+                    <a:bodyPr/>
+                    <a:lstStyle/>
+                    <a:p>
+                      <a:pPr marL="0" lvl="0" indent="0" algn="ctr" rtl="0">
+                        <a:spcBef>
+                          <a:spcPts val="0"/>
+                        </a:spcBef>
+                        <a:spcAft>
+                          <a:spcPts val="0"/>
+                        </a:spcAft>
+                        <a:buNone/>
+                      </a:pPr>
+                      <a:r>
+                        <a:rPr lang="en" sz="1200" dirty="0"/>
+                        <a:t>104   ? </a:t>
+                      </a:r>
+                      <a:r>
+                        <a:rPr lang="en" sz="1200" dirty="0">
+                          <a:highlight>
+                            <a:schemeClr val="dk1"/>
+                          </a:highlight>
+                        </a:rPr>
+                        <a:t>104</a:t>
+                      </a:r>
+                      <a:endParaRPr sz="1200" dirty="0">
+                        <a:highlight>
+                          <a:schemeClr val="dk1"/>
+                        </a:highlight>
+                      </a:endParaRPr>
+                    </a:p>
+                  </a:txBody>
+                  <a:tcPr marL="91425" marR="91425" marT="91425" marB="91425"/>
+                </a:tc>
+                <a:extLst>
+                  <a:ext uri="{0D108BD9-81ED-4DB2-BD59-A6C34878D82A}">
+                    <a16:rowId xmlns:a16="http://schemas.microsoft.com/office/drawing/2014/main" val="10005"/>
+                  </a:ext>
+                </a:extLst>
+              </a:tr>
+            </a:tbl>
+          </a:graphicData>
+        </a:graphic>
+      </p:graphicFrame>
+      <p:sp>
+        <p:nvSpPr>
+          <p:cNvPr id="127" name="Google Shape;127;p19"/>
+          <p:cNvSpPr txBox="1"/>
+          <p:nvPr/>
+        </p:nvSpPr>
+        <p:spPr>
+          <a:xfrm>
+            <a:off x="4648300" y="2476075"/>
+            <a:ext cx="224400" cy="2339700"/>
+          </a:xfrm>
+          <a:prstGeom prst="rect">
+            <a:avLst/>
+          </a:prstGeom>
+          <a:noFill/>
+          <a:ln>
+            <a:noFill/>
+          </a:ln>
+        </p:spPr>
+        <p:txBody>
+          <a:bodyPr spcFirstLastPara="1" wrap="square" lIns="91425" tIns="91425" rIns="91425" bIns="91425" anchor="t" anchorCtr="0">
+            <a:spAutoFit/>
+          </a:bodyPr>
+          <a:lstStyle/>
+          <a:p>
+            <a:pPr marL="0" lvl="0" indent="0" algn="l" rtl="0">
+              <a:spcBef>
+                <a:spcPts val="0"/>
+              </a:spcBef>
+              <a:spcAft>
+                <a:spcPts val="0"/>
+              </a:spcAft>
+              <a:buNone/>
+            </a:pPr>
+            <a:r>
+              <a:rPr lang="en"/>
+              <a:t>0 1 2 3 4 5 6 7 8 9 </a:t>
+            </a:r>
+            <a:endParaRPr/>
+          </a:p>
+        </p:txBody>
+      </p:sp>
+      <p:sp>
+        <p:nvSpPr>
+          <p:cNvPr id="128" name="Google Shape;128;p19"/>
+          <p:cNvSpPr txBox="1"/>
+          <p:nvPr/>
+        </p:nvSpPr>
+        <p:spPr>
+          <a:xfrm>
+            <a:off x="5132225" y="2192825"/>
+            <a:ext cx="283800" cy="2770500"/>
+          </a:xfrm>
+          <a:prstGeom prst="rect">
+            <a:avLst/>
+          </a:prstGeom>
+          <a:noFill/>
+          <a:ln>
+            <a:noFill/>
+          </a:ln>
+        </p:spPr>
+        <p:txBody>
+          <a:bodyPr spcFirstLastPara="1" wrap="square" lIns="91425" tIns="91425" rIns="91425" bIns="91425" anchor="t" anchorCtr="0">
+            <a:spAutoFit/>
+          </a:bodyPr>
+          <a:lstStyle/>
+          <a:p>
+            <a:pPr marL="0" lvl="0" indent="0" algn="l" rtl="0">
+              <a:spcBef>
+                <a:spcPts val="0"/>
+              </a:spcBef>
+              <a:spcAft>
+                <a:spcPts val="0"/>
+              </a:spcAft>
+              <a:buNone/>
+            </a:pPr>
+            <a:r>
+              <a:rPr lang="en" dirty="0"/>
+              <a:t>a b c d e f g h </a:t>
+            </a:r>
+            <a:r>
+              <a:rPr lang="en" dirty="0" err="1"/>
+              <a:t>i</a:t>
+            </a:r>
+            <a:r>
+              <a:rPr lang="en" dirty="0"/>
+              <a:t> j k l </a:t>
+            </a:r>
+            <a:endParaRPr dirty="0"/>
+          </a:p>
+        </p:txBody>
+      </p:sp>
+    </p:spTree>
+  </p:cSld>
+  <p:clrMapOvr>
+    <a:masterClrMapping/>
+  </p:clrMapOvr>
+</p:sld>
+</file>
+
+<file path=ppt/slides/slide11.xml><?xml version="1.0" encoding="utf-8"?>
 <p:sld xmlns:a="http://schemas.openxmlformats.org/drawingml/2006/main" xmlns:r="http://schemas.openxmlformats.org/officeDocument/2006/relationships" xmlns:p="http://schemas.openxmlformats.org/presentationml/2006/main">
   <p:cSld>
     <p:spTree>
@@ -7891,7 +9351,7 @@
 </p:sld>
 </file>
 
-<file path=ppt/slides/slide11.xml><?xml version="1.0" encoding="utf-8"?>
+<file path=ppt/slides/slide12.xml><?xml version="1.0" encoding="utf-8"?>
 <p:sld xmlns:a="http://schemas.openxmlformats.org/drawingml/2006/main" xmlns:r="http://schemas.openxmlformats.org/officeDocument/2006/relationships" xmlns:p="http://schemas.openxmlformats.org/presentationml/2006/main">
   <p:cSld>
     <p:spTree>
@@ -7955,7 +9415,7 @@
 </p:sld>
 </file>
 
-<file path=ppt/slides/slide12.xml><?xml version="1.0" encoding="utf-8"?>
+<file path=ppt/slides/slide13.xml><?xml version="1.0" encoding="utf-8"?>
 <p:sld xmlns:a="http://schemas.openxmlformats.org/drawingml/2006/main" xmlns:r="http://schemas.openxmlformats.org/officeDocument/2006/relationships" xmlns:p="http://schemas.openxmlformats.org/presentationml/2006/main">
   <p:cSld>
     <p:spTree>
@@ -10601,7 +12061,7 @@
 </p:sld>
 </file>
 
-<file path=ppt/slides/slide13.xml><?xml version="1.0" encoding="utf-8"?>
+<file path=ppt/slides/slide14.xml><?xml version="1.0" encoding="utf-8"?>
 <p:sld xmlns:a="http://schemas.openxmlformats.org/drawingml/2006/main" xmlns:r="http://schemas.openxmlformats.org/officeDocument/2006/relationships" xmlns:p="http://schemas.openxmlformats.org/presentationml/2006/main">
   <p:cSld>
     <p:spTree>
@@ -14916,7 +16376,7 @@
 </p:sld>
 </file>
 
-<file path=ppt/slides/slide14.xml><?xml version="1.0" encoding="utf-8"?>
+<file path=ppt/slides/slide15.xml><?xml version="1.0" encoding="utf-8"?>
 <p:sld xmlns:a="http://schemas.openxmlformats.org/drawingml/2006/main" xmlns:r="http://schemas.openxmlformats.org/officeDocument/2006/relationships" xmlns:p="http://schemas.openxmlformats.org/presentationml/2006/main">
   <p:cSld>
     <p:spTree>
@@ -21235,7 +22695,7 @@
 </p:sld>
 </file>
 
-<file path=ppt/slides/slide15.xml><?xml version="1.0" encoding="utf-8"?>
+<file path=ppt/slides/slide16.xml><?xml version="1.0" encoding="utf-8"?>
 <p:sld xmlns:a="http://schemas.openxmlformats.org/drawingml/2006/main" xmlns:r="http://schemas.openxmlformats.org/officeDocument/2006/relationships" xmlns:p="http://schemas.openxmlformats.org/presentationml/2006/main">
   <p:cSld>
     <p:spTree>
@@ -21725,7 +23185,7 @@
         </p:nvSpPr>
         <p:spPr>
           <a:xfrm>
-            <a:off x="6257600" y="1524775"/>
+            <a:off x="5461733" y="2090025"/>
             <a:ext cx="2847900" cy="1436100"/>
           </a:xfrm>
           <a:prstGeom prst="rect">
@@ -21771,7 +23231,7 @@
 </p:sld>
 </file>
 
-<file path=ppt/slides/slide16.xml><?xml version="1.0" encoding="utf-8"?>
+<file path=ppt/slides/slide17.xml><?xml version="1.0" encoding="utf-8"?>
 <p:sld xmlns:a="http://schemas.openxmlformats.org/drawingml/2006/main" xmlns:r="http://schemas.openxmlformats.org/officeDocument/2006/relationships" xmlns:p="http://schemas.openxmlformats.org/presentationml/2006/main">
   <p:cSld>
     <p:spTree>
@@ -22191,7 +23651,7 @@
 </p:sld>
 </file>
 
-<file path=ppt/slides/slide17.xml><?xml version="1.0" encoding="utf-8"?>
+<file path=ppt/slides/slide18.xml><?xml version="1.0" encoding="utf-8"?>
 <p:sld xmlns:a="http://schemas.openxmlformats.org/drawingml/2006/main" xmlns:r="http://schemas.openxmlformats.org/officeDocument/2006/relationships" xmlns:p="http://schemas.openxmlformats.org/presentationml/2006/main">
   <p:cSld>
     <p:spTree>
@@ -22481,7 +23941,7 @@
 </p:sld>
 </file>
 
-<file path=ppt/slides/slide18.xml><?xml version="1.0" encoding="utf-8"?>
+<file path=ppt/slides/slide19.xml><?xml version="1.0" encoding="utf-8"?>
 <p:sld xmlns:a="http://schemas.openxmlformats.org/drawingml/2006/main" xmlns:r="http://schemas.openxmlformats.org/officeDocument/2006/relationships" xmlns:p="http://schemas.openxmlformats.org/presentationml/2006/main">
   <p:cSld>
     <p:spTree>
@@ -22796,7 +24256,77 @@
 </p:sld>
 </file>
 
-<file path=ppt/slides/slide19.xml><?xml version="1.0" encoding="utf-8"?>
+<file path=ppt/slides/slide2.xml><?xml version="1.0" encoding="utf-8"?>
+<p:sld xmlns:a="http://schemas.openxmlformats.org/drawingml/2006/main" xmlns:r="http://schemas.openxmlformats.org/officeDocument/2006/relationships" xmlns:p="http://schemas.openxmlformats.org/presentationml/2006/main">
+  <p:cSld>
+    <p:spTree>
+      <p:nvGrpSpPr>
+        <p:cNvPr id="1" name=""/>
+        <p:cNvGrpSpPr/>
+        <p:nvPr/>
+      </p:nvGrpSpPr>
+      <p:grpSpPr>
+        <a:xfrm>
+          <a:off x="0" y="0"/>
+          <a:ext cx="0" cy="0"/>
+          <a:chOff x="0" y="0"/>
+          <a:chExt cx="0" cy="0"/>
+        </a:xfrm>
+      </p:grpSpPr>
+      <p:sp>
+        <p:nvSpPr>
+          <p:cNvPr id="4" name="Title 3">
+            <a:extLst>
+              <a:ext uri="{FF2B5EF4-FFF2-40B4-BE49-F238E27FC236}">
+                <a16:creationId xmlns:a16="http://schemas.microsoft.com/office/drawing/2014/main" id="{02099ECB-F444-B45B-4149-D1B4303CBD13}"/>
+              </a:ext>
+            </a:extLst>
+          </p:cNvPr>
+          <p:cNvSpPr txBox="1">
+            <a:spLocks noGrp="1"/>
+          </p:cNvSpPr>
+          <p:nvPr>
+            <p:ph type="title"/>
+          </p:nvPr>
+        </p:nvSpPr>
+        <p:spPr>
+          <a:xfrm>
+            <a:off x="3233056" y="1956227"/>
+            <a:ext cx="2114550" cy="923299"/>
+          </a:xfrm>
+          <a:prstGeom prst="rect">
+            <a:avLst/>
+          </a:prstGeom>
+          <a:noFill/>
+        </p:spPr>
+        <p:txBody>
+          <a:bodyPr wrap="square" rtlCol="0">
+            <a:spAutoFit/>
+          </a:bodyPr>
+          <a:lstStyle/>
+          <a:p>
+            <a:r>
+              <a:rPr lang="en-US" sz="4800" dirty="0" err="1"/>
+              <a:t>mjqqt</a:t>
+            </a:r>
+            <a:endParaRPr lang="en-US" sz="4800" dirty="0"/>
+          </a:p>
+        </p:txBody>
+      </p:sp>
+    </p:spTree>
+    <p:extLst>
+      <p:ext uri="{BB962C8B-B14F-4D97-AF65-F5344CB8AC3E}">
+        <p14:creationId xmlns:p14="http://schemas.microsoft.com/office/powerpoint/2010/main" val="1273842440"/>
+      </p:ext>
+    </p:extLst>
+  </p:cSld>
+  <p:clrMapOvr>
+    <a:masterClrMapping/>
+  </p:clrMapOvr>
+</p:sld>
+</file>
+
+<file path=ppt/slides/slide20.xml><?xml version="1.0" encoding="utf-8"?>
 <p:sld xmlns:a="http://schemas.openxmlformats.org/drawingml/2006/main" xmlns:r="http://schemas.openxmlformats.org/officeDocument/2006/relationships" xmlns:p="http://schemas.openxmlformats.org/presentationml/2006/main">
   <p:cSld>
     <p:spTree>
@@ -23227,7 +24757,220 @@
 </p:sld>
 </file>
 
-<file path=ppt/slides/slide2.xml><?xml version="1.0" encoding="utf-8"?>
+<file path=ppt/slides/slide21.xml><?xml version="1.0" encoding="utf-8"?>
+<p:sld xmlns:a="http://schemas.openxmlformats.org/drawingml/2006/main" xmlns:r="http://schemas.openxmlformats.org/officeDocument/2006/relationships" xmlns:p="http://schemas.openxmlformats.org/presentationml/2006/main">
+  <p:cSld>
+    <p:spTree>
+      <p:nvGrpSpPr>
+        <p:cNvPr id="1" name="Shape 371"/>
+        <p:cNvGrpSpPr/>
+        <p:nvPr/>
+      </p:nvGrpSpPr>
+      <p:grpSpPr>
+        <a:xfrm>
+          <a:off x="0" y="0"/>
+          <a:ext cx="0" cy="0"/>
+          <a:chOff x="0" y="0"/>
+          <a:chExt cx="0" cy="0"/>
+        </a:xfrm>
+      </p:grpSpPr>
+      <p:sp>
+        <p:nvSpPr>
+          <p:cNvPr id="372" name="Google Shape;372;p30"/>
+          <p:cNvSpPr txBox="1">
+            <a:spLocks noGrp="1"/>
+          </p:cNvSpPr>
+          <p:nvPr>
+            <p:ph type="title"/>
+          </p:nvPr>
+        </p:nvSpPr>
+        <p:spPr>
+          <a:xfrm>
+            <a:off x="311700" y="445025"/>
+            <a:ext cx="8520600" cy="572700"/>
+          </a:xfrm>
+          <a:prstGeom prst="rect">
+            <a:avLst/>
+          </a:prstGeom>
+        </p:spPr>
+        <p:txBody>
+          <a:bodyPr spcFirstLastPara="1" wrap="square" lIns="91425" tIns="91425" rIns="91425" bIns="91425" anchor="t" anchorCtr="0">
+            <a:normAutofit fontScale="90000"/>
+          </a:bodyPr>
+          <a:lstStyle/>
+          <a:p>
+            <a:pPr marL="0" lvl="0" indent="0" algn="l" rtl="0">
+              <a:spcBef>
+                <a:spcPts val="0"/>
+              </a:spcBef>
+              <a:spcAft>
+                <a:spcPts val="0"/>
+              </a:spcAft>
+              <a:buClr>
+                <a:schemeClr val="dk1"/>
+              </a:buClr>
+              <a:buSzPct val="39285"/>
+              <a:buFont typeface="Arial"/>
+              <a:buNone/>
+            </a:pPr>
+            <a:r>
+              <a:rPr lang="en"/>
+              <a:t>Extended ASCII and UTF-8</a:t>
+            </a:r>
+            <a:endParaRPr/>
+          </a:p>
+          <a:p>
+            <a:pPr marL="0" lvl="0" indent="0" algn="l" rtl="0">
+              <a:spcBef>
+                <a:spcPts val="0"/>
+              </a:spcBef>
+              <a:spcAft>
+                <a:spcPts val="0"/>
+              </a:spcAft>
+              <a:buNone/>
+            </a:pPr>
+            <a:endParaRPr/>
+          </a:p>
+        </p:txBody>
+      </p:sp>
+      <p:sp>
+        <p:nvSpPr>
+          <p:cNvPr id="373" name="Google Shape;373;p30"/>
+          <p:cNvSpPr txBox="1">
+            <a:spLocks noGrp="1"/>
+          </p:cNvSpPr>
+          <p:nvPr>
+            <p:ph type="body" idx="1"/>
+          </p:nvPr>
+        </p:nvSpPr>
+        <p:spPr>
+          <a:xfrm>
+            <a:off x="311700" y="1152475"/>
+            <a:ext cx="8520600" cy="3416400"/>
+          </a:xfrm>
+          <a:prstGeom prst="rect">
+            <a:avLst/>
+          </a:prstGeom>
+        </p:spPr>
+        <p:txBody>
+          <a:bodyPr spcFirstLastPara="1" wrap="square" lIns="91425" tIns="91425" rIns="91425" bIns="91425" anchor="t" anchorCtr="0">
+            <a:normAutofit/>
+          </a:bodyPr>
+          <a:lstStyle/>
+          <a:p>
+            <a:pPr marL="457200" lvl="0" indent="-342900" algn="l" rtl="0">
+              <a:spcBef>
+                <a:spcPts val="0"/>
+              </a:spcBef>
+              <a:spcAft>
+                <a:spcPts val="0"/>
+              </a:spcAft>
+              <a:buSzPts val="1800"/>
+              <a:buChar char="●"/>
+            </a:pPr>
+            <a:r>
+              <a:rPr lang="en"/>
+              <a:t>The list of </a:t>
+            </a:r>
+            <a:r>
+              <a:rPr lang="en" u="sng">
+                <a:solidFill>
+                  <a:schemeClr val="hlink"/>
+                </a:solidFill>
+                <a:hlinkClick r:id="rId3"/>
+              </a:rPr>
+              <a:t>UTF-8 characters</a:t>
+            </a:r>
+            <a:r>
+              <a:rPr lang="en"/>
+              <a:t>:</a:t>
+            </a:r>
+            <a:endParaRPr dirty="0"/>
+          </a:p>
+          <a:p>
+            <a:pPr marL="457200" lvl="0" indent="-342900" algn="l" rtl="0">
+              <a:spcBef>
+                <a:spcPts val="0"/>
+              </a:spcBef>
+              <a:spcAft>
+                <a:spcPts val="0"/>
+              </a:spcAft>
+              <a:buSzPts val="1800"/>
+              <a:buChar char="●"/>
+            </a:pPr>
+            <a:r>
+              <a:rPr lang="en" dirty="0"/>
+              <a:t>Layout of the bits:</a:t>
+            </a:r>
+            <a:endParaRPr dirty="0"/>
+          </a:p>
+          <a:p>
+            <a:pPr marL="457200" lvl="0" indent="-342900" algn="l" rtl="0">
+              <a:spcBef>
+                <a:spcPts val="0"/>
+              </a:spcBef>
+              <a:spcAft>
+                <a:spcPts val="0"/>
+              </a:spcAft>
+              <a:buSzPts val="1800"/>
+              <a:buChar char="●"/>
+            </a:pPr>
+            <a:r>
+              <a:rPr lang="en" dirty="0"/>
+              <a:t>Example on how to lay it out:</a:t>
+            </a:r>
+            <a:endParaRPr sz="1050" dirty="0">
+              <a:solidFill>
+                <a:srgbClr val="333333"/>
+              </a:solidFill>
+              <a:highlight>
+                <a:srgbClr val="F9F9F9"/>
+              </a:highlight>
+              <a:latin typeface="Open Sans"/>
+              <a:ea typeface="Open Sans"/>
+              <a:cs typeface="Open Sans"/>
+              <a:sym typeface="Open Sans"/>
+            </a:endParaRPr>
+          </a:p>
+        </p:txBody>
+      </p:sp>
+      <p:pic>
+        <p:nvPicPr>
+          <p:cNvPr id="374" name="Google Shape;374;p30"/>
+          <p:cNvPicPr preferRelativeResize="0"/>
+          <p:nvPr/>
+        </p:nvPicPr>
+        <p:blipFill>
+          <a:blip r:embed="rId4">
+            <a:alphaModFix/>
+          </a:blip>
+          <a:stretch>
+            <a:fillRect/>
+          </a:stretch>
+        </p:blipFill>
+        <p:spPr>
+          <a:xfrm>
+            <a:off x="311688" y="2349538"/>
+            <a:ext cx="8410575" cy="2219325"/>
+          </a:xfrm>
+          <a:prstGeom prst="rect">
+            <a:avLst/>
+          </a:prstGeom>
+          <a:noFill/>
+          <a:ln>
+            <a:noFill/>
+          </a:ln>
+        </p:spPr>
+      </p:pic>
+    </p:spTree>
+  </p:cSld>
+  <p:clrMapOvr>
+    <a:masterClrMapping/>
+  </p:clrMapOvr>
+</p:sld>
+</file>
+
+<file path=ppt/slides/slide3.xml><?xml version="1.0" encoding="utf-8"?>
 <p:sld xmlns:a="http://schemas.openxmlformats.org/drawingml/2006/main" xmlns:r="http://schemas.openxmlformats.org/officeDocument/2006/relationships" xmlns:p="http://schemas.openxmlformats.org/presentationml/2006/main">
   <p:cSld>
     <p:spTree>
@@ -24587,220 +26330,7 @@
 </p:sld>
 </file>
 
-<file path=ppt/slides/slide20.xml><?xml version="1.0" encoding="utf-8"?>
-<p:sld xmlns:a="http://schemas.openxmlformats.org/drawingml/2006/main" xmlns:r="http://schemas.openxmlformats.org/officeDocument/2006/relationships" xmlns:p="http://schemas.openxmlformats.org/presentationml/2006/main">
-  <p:cSld>
-    <p:spTree>
-      <p:nvGrpSpPr>
-        <p:cNvPr id="1" name="Shape 371"/>
-        <p:cNvGrpSpPr/>
-        <p:nvPr/>
-      </p:nvGrpSpPr>
-      <p:grpSpPr>
-        <a:xfrm>
-          <a:off x="0" y="0"/>
-          <a:ext cx="0" cy="0"/>
-          <a:chOff x="0" y="0"/>
-          <a:chExt cx="0" cy="0"/>
-        </a:xfrm>
-      </p:grpSpPr>
-      <p:sp>
-        <p:nvSpPr>
-          <p:cNvPr id="372" name="Google Shape;372;p30"/>
-          <p:cNvSpPr txBox="1">
-            <a:spLocks noGrp="1"/>
-          </p:cNvSpPr>
-          <p:nvPr>
-            <p:ph type="title"/>
-          </p:nvPr>
-        </p:nvSpPr>
-        <p:spPr>
-          <a:xfrm>
-            <a:off x="311700" y="445025"/>
-            <a:ext cx="8520600" cy="572700"/>
-          </a:xfrm>
-          <a:prstGeom prst="rect">
-            <a:avLst/>
-          </a:prstGeom>
-        </p:spPr>
-        <p:txBody>
-          <a:bodyPr spcFirstLastPara="1" wrap="square" lIns="91425" tIns="91425" rIns="91425" bIns="91425" anchor="t" anchorCtr="0">
-            <a:normAutofit fontScale="90000"/>
-          </a:bodyPr>
-          <a:lstStyle/>
-          <a:p>
-            <a:pPr marL="0" lvl="0" indent="0" algn="l" rtl="0">
-              <a:spcBef>
-                <a:spcPts val="0"/>
-              </a:spcBef>
-              <a:spcAft>
-                <a:spcPts val="0"/>
-              </a:spcAft>
-              <a:buClr>
-                <a:schemeClr val="dk1"/>
-              </a:buClr>
-              <a:buSzPct val="39285"/>
-              <a:buFont typeface="Arial"/>
-              <a:buNone/>
-            </a:pPr>
-            <a:r>
-              <a:rPr lang="en"/>
-              <a:t>Extended ASCII and UTF-8</a:t>
-            </a:r>
-            <a:endParaRPr/>
-          </a:p>
-          <a:p>
-            <a:pPr marL="0" lvl="0" indent="0" algn="l" rtl="0">
-              <a:spcBef>
-                <a:spcPts val="0"/>
-              </a:spcBef>
-              <a:spcAft>
-                <a:spcPts val="0"/>
-              </a:spcAft>
-              <a:buNone/>
-            </a:pPr>
-            <a:endParaRPr/>
-          </a:p>
-        </p:txBody>
-      </p:sp>
-      <p:sp>
-        <p:nvSpPr>
-          <p:cNvPr id="373" name="Google Shape;373;p30"/>
-          <p:cNvSpPr txBox="1">
-            <a:spLocks noGrp="1"/>
-          </p:cNvSpPr>
-          <p:nvPr>
-            <p:ph type="body" idx="1"/>
-          </p:nvPr>
-        </p:nvSpPr>
-        <p:spPr>
-          <a:xfrm>
-            <a:off x="311700" y="1152475"/>
-            <a:ext cx="8520600" cy="3416400"/>
-          </a:xfrm>
-          <a:prstGeom prst="rect">
-            <a:avLst/>
-          </a:prstGeom>
-        </p:spPr>
-        <p:txBody>
-          <a:bodyPr spcFirstLastPara="1" wrap="square" lIns="91425" tIns="91425" rIns="91425" bIns="91425" anchor="t" anchorCtr="0">
-            <a:normAutofit/>
-          </a:bodyPr>
-          <a:lstStyle/>
-          <a:p>
-            <a:pPr marL="457200" lvl="0" indent="-342900" algn="l" rtl="0">
-              <a:spcBef>
-                <a:spcPts val="0"/>
-              </a:spcBef>
-              <a:spcAft>
-                <a:spcPts val="0"/>
-              </a:spcAft>
-              <a:buSzPts val="1800"/>
-              <a:buChar char="●"/>
-            </a:pPr>
-            <a:r>
-              <a:rPr lang="en"/>
-              <a:t>The list of </a:t>
-            </a:r>
-            <a:r>
-              <a:rPr lang="en" u="sng">
-                <a:solidFill>
-                  <a:schemeClr val="hlink"/>
-                </a:solidFill>
-                <a:hlinkClick r:id="rId3"/>
-              </a:rPr>
-              <a:t>UTF-8 characters</a:t>
-            </a:r>
-            <a:r>
-              <a:rPr lang="en"/>
-              <a:t>:</a:t>
-            </a:r>
-            <a:endParaRPr/>
-          </a:p>
-          <a:p>
-            <a:pPr marL="457200" lvl="0" indent="-342900" algn="l" rtl="0">
-              <a:spcBef>
-                <a:spcPts val="0"/>
-              </a:spcBef>
-              <a:spcAft>
-                <a:spcPts val="0"/>
-              </a:spcAft>
-              <a:buSzPts val="1800"/>
-              <a:buChar char="●"/>
-            </a:pPr>
-            <a:r>
-              <a:rPr lang="en"/>
-              <a:t>Layout of the bits:</a:t>
-            </a:r>
-            <a:endParaRPr/>
-          </a:p>
-          <a:p>
-            <a:pPr marL="457200" lvl="0" indent="-342900" algn="l" rtl="0">
-              <a:spcBef>
-                <a:spcPts val="0"/>
-              </a:spcBef>
-              <a:spcAft>
-                <a:spcPts val="0"/>
-              </a:spcAft>
-              <a:buSzPts val="1800"/>
-              <a:buChar char="●"/>
-            </a:pPr>
-            <a:r>
-              <a:rPr lang="en"/>
-              <a:t>Example on how to lay it out:</a:t>
-            </a:r>
-            <a:endParaRPr sz="1050">
-              <a:solidFill>
-                <a:srgbClr val="333333"/>
-              </a:solidFill>
-              <a:highlight>
-                <a:srgbClr val="F9F9F9"/>
-              </a:highlight>
-              <a:latin typeface="Open Sans"/>
-              <a:ea typeface="Open Sans"/>
-              <a:cs typeface="Open Sans"/>
-              <a:sym typeface="Open Sans"/>
-            </a:endParaRPr>
-          </a:p>
-        </p:txBody>
-      </p:sp>
-      <p:pic>
-        <p:nvPicPr>
-          <p:cNvPr id="374" name="Google Shape;374;p30"/>
-          <p:cNvPicPr preferRelativeResize="0"/>
-          <p:nvPr/>
-        </p:nvPicPr>
-        <p:blipFill>
-          <a:blip r:embed="rId4">
-            <a:alphaModFix/>
-          </a:blip>
-          <a:stretch>
-            <a:fillRect/>
-          </a:stretch>
-        </p:blipFill>
-        <p:spPr>
-          <a:xfrm>
-            <a:off x="311688" y="2349538"/>
-            <a:ext cx="8410575" cy="2219325"/>
-          </a:xfrm>
-          <a:prstGeom prst="rect">
-            <a:avLst/>
-          </a:prstGeom>
-          <a:noFill/>
-          <a:ln>
-            <a:noFill/>
-          </a:ln>
-        </p:spPr>
-      </p:pic>
-    </p:spTree>
-  </p:cSld>
-  <p:clrMapOvr>
-    <a:masterClrMapping/>
-  </p:clrMapOvr>
-</p:sld>
-</file>
-
-<file path=ppt/slides/slide3.xml><?xml version="1.0" encoding="utf-8"?>
+<file path=ppt/slides/slide4.xml><?xml version="1.0" encoding="utf-8"?>
 <p:sld xmlns:a="http://schemas.openxmlformats.org/drawingml/2006/main" xmlns:r="http://schemas.openxmlformats.org/officeDocument/2006/relationships" xmlns:p="http://schemas.openxmlformats.org/presentationml/2006/main">
   <p:cSld>
     <p:spTree>
@@ -24885,7 +26415,7 @@
 </p:sld>
 </file>
 
-<file path=ppt/slides/slide4.xml><?xml version="1.0" encoding="utf-8"?>
+<file path=ppt/slides/slide5.xml><?xml version="1.0" encoding="utf-8"?>
 <p:sld xmlns:a="http://schemas.openxmlformats.org/drawingml/2006/main" xmlns:r="http://schemas.openxmlformats.org/officeDocument/2006/relationships" xmlns:p="http://schemas.openxmlformats.org/presentationml/2006/main">
   <p:cSld>
     <p:spTree>
@@ -25189,7 +26719,7 @@
 </p:sld>
 </file>
 
-<file path=ppt/slides/slide5.xml><?xml version="1.0" encoding="utf-8"?>
+<file path=ppt/slides/slide6.xml><?xml version="1.0" encoding="utf-8"?>
 <p:sld xmlns:a="http://schemas.openxmlformats.org/drawingml/2006/main" xmlns:r="http://schemas.openxmlformats.org/officeDocument/2006/relationships" xmlns:p="http://schemas.openxmlformats.org/presentationml/2006/main">
   <p:cSld>
     <p:spTree>
@@ -26689,7 +28219,7 @@
 </p:sld>
 </file>
 
-<file path=ppt/slides/slide6.xml><?xml version="1.0" encoding="utf-8"?>
+<file path=ppt/slides/slide7.xml><?xml version="1.0" encoding="utf-8"?>
 <p:sld xmlns:a="http://schemas.openxmlformats.org/drawingml/2006/main" xmlns:r="http://schemas.openxmlformats.org/officeDocument/2006/relationships" xmlns:p="http://schemas.openxmlformats.org/presentationml/2006/main">
   <p:cSld>
     <p:spTree>
@@ -27229,7 +28759,7 @@
 </p:sld>
 </file>
 
-<file path=ppt/slides/slide7.xml><?xml version="1.0" encoding="utf-8"?>
+<file path=ppt/slides/slide8.xml><?xml version="1.0" encoding="utf-8"?>
 <p:sld xmlns:a="http://schemas.openxmlformats.org/drawingml/2006/main" xmlns:r="http://schemas.openxmlformats.org/officeDocument/2006/relationships" xmlns:p="http://schemas.openxmlformats.org/presentationml/2006/main">
   <p:cSld>
     <p:spTree>
@@ -27843,7 +29373,7 @@
 </p:sld>
 </file>
 
-<file path=ppt/slides/slide8.xml><?xml version="1.0" encoding="utf-8"?>
+<file path=ppt/slides/slide9.xml><?xml version="1.0" encoding="utf-8"?>
 <p:sld xmlns:a="http://schemas.openxmlformats.org/drawingml/2006/main" xmlns:r="http://schemas.openxmlformats.org/officeDocument/2006/relationships" xmlns:p="http://schemas.openxmlformats.org/presentationml/2006/main">
   <p:cSld>
     <p:spTree>
@@ -28287,1450 +29817,6 @@
           </a:ln>
         </p:spPr>
       </p:cxnSp>
-    </p:spTree>
-  </p:cSld>
-  <p:clrMapOvr>
-    <a:masterClrMapping/>
-  </p:clrMapOvr>
-</p:sld>
-</file>
-
-<file path=ppt/slides/slide9.xml><?xml version="1.0" encoding="utf-8"?>
-<p:sld xmlns:a="http://schemas.openxmlformats.org/drawingml/2006/main" xmlns:r="http://schemas.openxmlformats.org/officeDocument/2006/relationships" xmlns:p="http://schemas.openxmlformats.org/presentationml/2006/main">
-  <p:cSld>
-    <p:spTree>
-      <p:nvGrpSpPr>
-        <p:cNvPr id="1" name="Shape 107"/>
-        <p:cNvGrpSpPr/>
-        <p:nvPr/>
-      </p:nvGrpSpPr>
-      <p:grpSpPr>
-        <a:xfrm>
-          <a:off x="0" y="0"/>
-          <a:ext cx="0" cy="0"/>
-          <a:chOff x="0" y="0"/>
-          <a:chExt cx="0" cy="0"/>
-        </a:xfrm>
-      </p:grpSpPr>
-      <p:sp>
-        <p:nvSpPr>
-          <p:cNvPr id="108" name="Google Shape;108;p19"/>
-          <p:cNvSpPr txBox="1">
-            <a:spLocks noGrp="1"/>
-          </p:cNvSpPr>
-          <p:nvPr>
-            <p:ph type="title"/>
-          </p:nvPr>
-        </p:nvSpPr>
-        <p:spPr>
-          <a:xfrm>
-            <a:off x="311700" y="445025"/>
-            <a:ext cx="8520600" cy="572700"/>
-          </a:xfrm>
-          <a:prstGeom prst="rect">
-            <a:avLst/>
-          </a:prstGeom>
-        </p:spPr>
-        <p:txBody>
-          <a:bodyPr spcFirstLastPara="1" wrap="square" lIns="91425" tIns="91425" rIns="91425" bIns="91425" anchor="t" anchorCtr="0">
-            <a:normAutofit fontScale="90000"/>
-          </a:bodyPr>
-          <a:lstStyle/>
-          <a:p>
-            <a:pPr marL="0" lvl="0" indent="0" algn="l" rtl="0">
-              <a:spcBef>
-                <a:spcPts val="0"/>
-              </a:spcBef>
-              <a:spcAft>
-                <a:spcPts val="0"/>
-              </a:spcAft>
-              <a:buNone/>
-            </a:pPr>
-            <a:r>
-              <a:rPr lang="en"/>
-              <a:t>Mappings and Functions</a:t>
-            </a:r>
-            <a:endParaRPr/>
-          </a:p>
-        </p:txBody>
-      </p:sp>
-      <p:sp>
-        <p:nvSpPr>
-          <p:cNvPr id="109" name="Google Shape;109;p19"/>
-          <p:cNvSpPr txBox="1">
-            <a:spLocks noGrp="1"/>
-          </p:cNvSpPr>
-          <p:nvPr>
-            <p:ph type="body" idx="1"/>
-          </p:nvPr>
-        </p:nvSpPr>
-        <p:spPr>
-          <a:xfrm>
-            <a:off x="311700" y="1127550"/>
-            <a:ext cx="8520600" cy="3416400"/>
-          </a:xfrm>
-          <a:prstGeom prst="rect">
-            <a:avLst/>
-          </a:prstGeom>
-        </p:spPr>
-        <p:txBody>
-          <a:bodyPr spcFirstLastPara="1" wrap="square" lIns="91425" tIns="91425" rIns="91425" bIns="91425" anchor="t" anchorCtr="0">
-            <a:normAutofit/>
-          </a:bodyPr>
-          <a:lstStyle/>
-          <a:p>
-            <a:pPr marL="457200" lvl="0" indent="-342900" algn="l" rtl="0">
-              <a:spcBef>
-                <a:spcPts val="0"/>
-              </a:spcBef>
-              <a:spcAft>
-                <a:spcPts val="0"/>
-              </a:spcAft>
-              <a:buSzPts val="1800"/>
-              <a:buChar char="●"/>
-            </a:pPr>
-            <a:r>
-              <a:rPr lang="en"/>
-              <a:t>Mapping: defines a relationship </a:t>
-            </a:r>
-            <a:endParaRPr/>
-          </a:p>
-          <a:p>
-            <a:pPr marL="457200" lvl="0" indent="-342900" algn="l" rtl="0">
-              <a:spcBef>
-                <a:spcPts val="0"/>
-              </a:spcBef>
-              <a:spcAft>
-                <a:spcPts val="0"/>
-              </a:spcAft>
-              <a:buSzPts val="1800"/>
-              <a:buChar char="●"/>
-            </a:pPr>
-            <a:r>
-              <a:rPr lang="en"/>
-              <a:t>Function:  a binary relation between two sets</a:t>
-            </a:r>
-            <a:endParaRPr/>
-          </a:p>
-          <a:p>
-            <a:pPr marL="914400" lvl="1" indent="-317500" algn="l" rtl="0">
-              <a:spcBef>
-                <a:spcPts val="0"/>
-              </a:spcBef>
-              <a:spcAft>
-                <a:spcPts val="0"/>
-              </a:spcAft>
-              <a:buSzPts val="1400"/>
-              <a:buChar char="○"/>
-            </a:pPr>
-            <a:r>
-              <a:rPr lang="en"/>
-              <a:t>Encode:  input  -&gt; output</a:t>
-            </a:r>
-            <a:endParaRPr/>
-          </a:p>
-          <a:p>
-            <a:pPr marL="914400" lvl="1" indent="-317500" algn="l" rtl="0">
-              <a:spcBef>
-                <a:spcPts val="0"/>
-              </a:spcBef>
-              <a:spcAft>
-                <a:spcPts val="0"/>
-              </a:spcAft>
-              <a:buSzPts val="1400"/>
-              <a:buChar char="○"/>
-            </a:pPr>
-            <a:r>
-              <a:rPr lang="en"/>
-              <a:t>Decode:  output -&gt; input</a:t>
-            </a:r>
-            <a:endParaRPr/>
-          </a:p>
-          <a:p>
-            <a:pPr marL="457200" lvl="0" indent="-342900" algn="l" rtl="0">
-              <a:spcBef>
-                <a:spcPts val="0"/>
-              </a:spcBef>
-              <a:spcAft>
-                <a:spcPts val="0"/>
-              </a:spcAft>
-              <a:buSzPts val="1800"/>
-              <a:buChar char="●"/>
-            </a:pPr>
-            <a:r>
-              <a:rPr lang="en"/>
-              <a:t>A table can represent a function</a:t>
-            </a:r>
-            <a:endParaRPr/>
-          </a:p>
-        </p:txBody>
-      </p:sp>
-      <p:sp>
-        <p:nvSpPr>
-          <p:cNvPr id="110" name="Google Shape;110;p19"/>
-          <p:cNvSpPr/>
-          <p:nvPr/>
-        </p:nvSpPr>
-        <p:spPr>
-          <a:xfrm>
-            <a:off x="5619975" y="1296713"/>
-            <a:ext cx="666000" cy="1275000"/>
-          </a:xfrm>
-          <a:prstGeom prst="ellipse">
-            <a:avLst/>
-          </a:prstGeom>
-          <a:solidFill>
-            <a:schemeClr val="lt2"/>
-          </a:solidFill>
-          <a:ln w="9525" cap="flat" cmpd="sng">
-            <a:solidFill>
-              <a:schemeClr val="dk2"/>
-            </a:solidFill>
-            <a:prstDash val="solid"/>
-            <a:round/>
-            <a:headEnd type="none" w="sm" len="sm"/>
-            <a:tailEnd type="none" w="sm" len="sm"/>
-          </a:ln>
-        </p:spPr>
-        <p:txBody>
-          <a:bodyPr spcFirstLastPara="1" wrap="square" lIns="91425" tIns="91425" rIns="91425" bIns="91425" anchor="ctr" anchorCtr="0">
-            <a:noAutofit/>
-          </a:bodyPr>
-          <a:lstStyle/>
-          <a:p>
-            <a:pPr marL="0" lvl="0" indent="0" algn="l" rtl="0">
-              <a:spcBef>
-                <a:spcPts val="0"/>
-              </a:spcBef>
-              <a:spcAft>
-                <a:spcPts val="0"/>
-              </a:spcAft>
-              <a:buNone/>
-            </a:pPr>
-            <a:endParaRPr/>
-          </a:p>
-        </p:txBody>
-      </p:sp>
-      <p:sp>
-        <p:nvSpPr>
-          <p:cNvPr id="111" name="Google Shape;111;p19"/>
-          <p:cNvSpPr/>
-          <p:nvPr/>
-        </p:nvSpPr>
-        <p:spPr>
-          <a:xfrm>
-            <a:off x="8100300" y="1296713"/>
-            <a:ext cx="666000" cy="1275000"/>
-          </a:xfrm>
-          <a:prstGeom prst="ellipse">
-            <a:avLst/>
-          </a:prstGeom>
-          <a:solidFill>
-            <a:schemeClr val="lt2"/>
-          </a:solidFill>
-          <a:ln w="9525" cap="flat" cmpd="sng">
-            <a:solidFill>
-              <a:schemeClr val="dk2"/>
-            </a:solidFill>
-            <a:prstDash val="solid"/>
-            <a:round/>
-            <a:headEnd type="none" w="sm" len="sm"/>
-            <a:tailEnd type="none" w="sm" len="sm"/>
-          </a:ln>
-        </p:spPr>
-        <p:txBody>
-          <a:bodyPr spcFirstLastPara="1" wrap="square" lIns="91425" tIns="91425" rIns="91425" bIns="91425" anchor="ctr" anchorCtr="0">
-            <a:noAutofit/>
-          </a:bodyPr>
-          <a:lstStyle/>
-          <a:p>
-            <a:pPr marL="0" lvl="0" indent="0" algn="l" rtl="0">
-              <a:spcBef>
-                <a:spcPts val="0"/>
-              </a:spcBef>
-              <a:spcAft>
-                <a:spcPts val="0"/>
-              </a:spcAft>
-              <a:buNone/>
-            </a:pPr>
-            <a:endParaRPr/>
-          </a:p>
-        </p:txBody>
-      </p:sp>
-      <p:sp>
-        <p:nvSpPr>
-          <p:cNvPr id="112" name="Google Shape;112;p19"/>
-          <p:cNvSpPr txBox="1"/>
-          <p:nvPr/>
-        </p:nvSpPr>
-        <p:spPr>
-          <a:xfrm>
-            <a:off x="5783375" y="1374575"/>
-            <a:ext cx="283800" cy="354000"/>
-          </a:xfrm>
-          <a:prstGeom prst="rect">
-            <a:avLst/>
-          </a:prstGeom>
-          <a:noFill/>
-          <a:ln>
-            <a:noFill/>
-          </a:ln>
-        </p:spPr>
-        <p:txBody>
-          <a:bodyPr spcFirstLastPara="1" wrap="square" lIns="91425" tIns="91425" rIns="91425" bIns="91425" anchor="t" anchorCtr="0">
-            <a:spAutoFit/>
-          </a:bodyPr>
-          <a:lstStyle/>
-          <a:p>
-            <a:pPr marL="0" lvl="0" indent="0" algn="l" rtl="0">
-              <a:spcBef>
-                <a:spcPts val="0"/>
-              </a:spcBef>
-              <a:spcAft>
-                <a:spcPts val="0"/>
-              </a:spcAft>
-              <a:buNone/>
-            </a:pPr>
-            <a:r>
-              <a:rPr lang="en" sz="1100"/>
-              <a:t>a</a:t>
-            </a:r>
-            <a:endParaRPr sz="1100"/>
-          </a:p>
-        </p:txBody>
-      </p:sp>
-      <p:sp>
-        <p:nvSpPr>
-          <p:cNvPr id="113" name="Google Shape;113;p19"/>
-          <p:cNvSpPr txBox="1"/>
-          <p:nvPr/>
-        </p:nvSpPr>
-        <p:spPr>
-          <a:xfrm>
-            <a:off x="8193750" y="2015937"/>
-            <a:ext cx="504000" cy="354000"/>
-          </a:xfrm>
-          <a:prstGeom prst="rect">
-            <a:avLst/>
-          </a:prstGeom>
-          <a:noFill/>
-          <a:ln>
-            <a:noFill/>
-          </a:ln>
-        </p:spPr>
-        <p:txBody>
-          <a:bodyPr spcFirstLastPara="1" wrap="square" lIns="91425" tIns="91425" rIns="91425" bIns="91425" anchor="t" anchorCtr="0">
-            <a:spAutoFit/>
-          </a:bodyPr>
-          <a:lstStyle/>
-          <a:p>
-            <a:pPr marL="0" lvl="0" indent="0" algn="l" rtl="0">
-              <a:spcBef>
-                <a:spcPts val="0"/>
-              </a:spcBef>
-              <a:spcAft>
-                <a:spcPts val="0"/>
-              </a:spcAft>
-              <a:buNone/>
-            </a:pPr>
-            <a:r>
-              <a:rPr lang="en" sz="1100"/>
-              <a:t>0x61</a:t>
-            </a:r>
-            <a:endParaRPr sz="1100"/>
-          </a:p>
-        </p:txBody>
-      </p:sp>
-      <p:sp>
-        <p:nvSpPr>
-          <p:cNvPr id="114" name="Google Shape;114;p19"/>
-          <p:cNvSpPr/>
-          <p:nvPr/>
-        </p:nvSpPr>
-        <p:spPr>
-          <a:xfrm>
-            <a:off x="6966140" y="1294075"/>
-            <a:ext cx="666000" cy="1275000"/>
-          </a:xfrm>
-          <a:prstGeom prst="ellipse">
-            <a:avLst/>
-          </a:prstGeom>
-          <a:solidFill>
-            <a:schemeClr val="lt2"/>
-          </a:solidFill>
-          <a:ln w="9525" cap="flat" cmpd="sng">
-            <a:solidFill>
-              <a:schemeClr val="dk2"/>
-            </a:solidFill>
-            <a:prstDash val="solid"/>
-            <a:round/>
-            <a:headEnd type="none" w="sm" len="sm"/>
-            <a:tailEnd type="none" w="sm" len="sm"/>
-          </a:ln>
-        </p:spPr>
-        <p:txBody>
-          <a:bodyPr spcFirstLastPara="1" wrap="square" lIns="91425" tIns="91425" rIns="91425" bIns="91425" anchor="ctr" anchorCtr="0">
-            <a:noAutofit/>
-          </a:bodyPr>
-          <a:lstStyle/>
-          <a:p>
-            <a:pPr marL="0" lvl="0" indent="0" algn="l" rtl="0">
-              <a:spcBef>
-                <a:spcPts val="0"/>
-              </a:spcBef>
-              <a:spcAft>
-                <a:spcPts val="0"/>
-              </a:spcAft>
-              <a:buNone/>
-            </a:pPr>
-            <a:endParaRPr/>
-          </a:p>
-        </p:txBody>
-      </p:sp>
-      <p:sp>
-        <p:nvSpPr>
-          <p:cNvPr id="115" name="Google Shape;115;p19"/>
-          <p:cNvSpPr txBox="1"/>
-          <p:nvPr/>
-        </p:nvSpPr>
-        <p:spPr>
-          <a:xfrm>
-            <a:off x="7128554" y="2031425"/>
-            <a:ext cx="382500" cy="354000"/>
-          </a:xfrm>
-          <a:prstGeom prst="rect">
-            <a:avLst/>
-          </a:prstGeom>
-          <a:noFill/>
-          <a:ln>
-            <a:noFill/>
-          </a:ln>
-        </p:spPr>
-        <p:txBody>
-          <a:bodyPr spcFirstLastPara="1" wrap="square" lIns="91425" tIns="91425" rIns="91425" bIns="91425" anchor="t" anchorCtr="0">
-            <a:spAutoFit/>
-          </a:bodyPr>
-          <a:lstStyle/>
-          <a:p>
-            <a:pPr marL="0" lvl="0" indent="0" algn="l" rtl="0">
-              <a:spcBef>
-                <a:spcPts val="0"/>
-              </a:spcBef>
-              <a:spcAft>
-                <a:spcPts val="0"/>
-              </a:spcAft>
-              <a:buNone/>
-            </a:pPr>
-            <a:r>
-              <a:rPr lang="en" sz="1100"/>
-              <a:t>97</a:t>
-            </a:r>
-            <a:endParaRPr sz="1100"/>
-          </a:p>
-        </p:txBody>
-      </p:sp>
-      <p:sp>
-        <p:nvSpPr>
-          <p:cNvPr id="116" name="Google Shape;116;p19"/>
-          <p:cNvSpPr txBox="1"/>
-          <p:nvPr/>
-        </p:nvSpPr>
-        <p:spPr>
-          <a:xfrm>
-            <a:off x="5798550" y="1982775"/>
-            <a:ext cx="283800" cy="354000"/>
-          </a:xfrm>
-          <a:prstGeom prst="rect">
-            <a:avLst/>
-          </a:prstGeom>
-          <a:noFill/>
-          <a:ln>
-            <a:noFill/>
-          </a:ln>
-        </p:spPr>
-        <p:txBody>
-          <a:bodyPr spcFirstLastPara="1" wrap="square" lIns="91425" tIns="91425" rIns="91425" bIns="91425" anchor="t" anchorCtr="0">
-            <a:spAutoFit/>
-          </a:bodyPr>
-          <a:lstStyle/>
-          <a:p>
-            <a:pPr marL="0" lvl="0" indent="0" algn="l" rtl="0">
-              <a:spcBef>
-                <a:spcPts val="0"/>
-              </a:spcBef>
-              <a:spcAft>
-                <a:spcPts val="0"/>
-              </a:spcAft>
-              <a:buNone/>
-            </a:pPr>
-            <a:r>
-              <a:rPr lang="en" sz="1100"/>
-              <a:t>{</a:t>
-            </a:r>
-            <a:endParaRPr sz="1100"/>
-          </a:p>
-        </p:txBody>
-      </p:sp>
-      <p:sp>
-        <p:nvSpPr>
-          <p:cNvPr id="117" name="Google Shape;117;p19"/>
-          <p:cNvSpPr txBox="1"/>
-          <p:nvPr/>
-        </p:nvSpPr>
-        <p:spPr>
-          <a:xfrm>
-            <a:off x="7087200" y="1497150"/>
-            <a:ext cx="423900" cy="354000"/>
-          </a:xfrm>
-          <a:prstGeom prst="rect">
-            <a:avLst/>
-          </a:prstGeom>
-          <a:noFill/>
-          <a:ln>
-            <a:noFill/>
-          </a:ln>
-        </p:spPr>
-        <p:txBody>
-          <a:bodyPr spcFirstLastPara="1" wrap="square" lIns="91425" tIns="91425" rIns="91425" bIns="91425" anchor="t" anchorCtr="0">
-            <a:spAutoFit/>
-          </a:bodyPr>
-          <a:lstStyle/>
-          <a:p>
-            <a:pPr marL="0" lvl="0" indent="0" algn="l" rtl="0">
-              <a:spcBef>
-                <a:spcPts val="0"/>
-              </a:spcBef>
-              <a:spcAft>
-                <a:spcPts val="0"/>
-              </a:spcAft>
-              <a:buNone/>
-            </a:pPr>
-            <a:r>
-              <a:rPr lang="en" sz="1100"/>
-              <a:t>123</a:t>
-            </a:r>
-            <a:endParaRPr sz="1100"/>
-          </a:p>
-        </p:txBody>
-      </p:sp>
-      <p:sp>
-        <p:nvSpPr>
-          <p:cNvPr id="118" name="Google Shape;118;p19"/>
-          <p:cNvSpPr txBox="1"/>
-          <p:nvPr/>
-        </p:nvSpPr>
-        <p:spPr>
-          <a:xfrm>
-            <a:off x="8193750" y="1450775"/>
-            <a:ext cx="572700" cy="354000"/>
-          </a:xfrm>
-          <a:prstGeom prst="rect">
-            <a:avLst/>
-          </a:prstGeom>
-          <a:noFill/>
-          <a:ln>
-            <a:noFill/>
-          </a:ln>
-        </p:spPr>
-        <p:txBody>
-          <a:bodyPr spcFirstLastPara="1" wrap="square" lIns="91425" tIns="91425" rIns="91425" bIns="91425" anchor="t" anchorCtr="0">
-            <a:spAutoFit/>
-          </a:bodyPr>
-          <a:lstStyle/>
-          <a:p>
-            <a:pPr marL="0" lvl="0" indent="0" algn="l" rtl="0">
-              <a:spcBef>
-                <a:spcPts val="0"/>
-              </a:spcBef>
-              <a:spcAft>
-                <a:spcPts val="0"/>
-              </a:spcAft>
-              <a:buNone/>
-            </a:pPr>
-            <a:r>
-              <a:rPr lang="en" sz="1100"/>
-              <a:t>0x7B</a:t>
-            </a:r>
-            <a:endParaRPr sz="1100"/>
-          </a:p>
-        </p:txBody>
-      </p:sp>
-      <p:cxnSp>
-        <p:nvCxnSpPr>
-          <p:cNvPr id="119" name="Google Shape;119;p19"/>
-          <p:cNvCxnSpPr>
-            <a:stCxn id="112" idx="3"/>
-            <a:endCxn id="115" idx="1"/>
-          </p:cNvCxnSpPr>
-          <p:nvPr/>
-        </p:nvCxnSpPr>
-        <p:spPr>
-          <a:xfrm>
-            <a:off x="6067175" y="1551575"/>
-            <a:ext cx="1061400" cy="657000"/>
-          </a:xfrm>
-          <a:prstGeom prst="straightConnector1">
-            <a:avLst/>
-          </a:prstGeom>
-          <a:noFill/>
-          <a:ln w="9525" cap="flat" cmpd="sng">
-            <a:solidFill>
-              <a:schemeClr val="dk2"/>
-            </a:solidFill>
-            <a:prstDash val="solid"/>
-            <a:round/>
-            <a:headEnd type="none" w="med" len="med"/>
-            <a:tailEnd type="triangle" w="med" len="med"/>
-          </a:ln>
-        </p:spPr>
-      </p:cxnSp>
-      <p:cxnSp>
-        <p:nvCxnSpPr>
-          <p:cNvPr id="120" name="Google Shape;120;p19"/>
-          <p:cNvCxnSpPr>
-            <a:stCxn id="116" idx="3"/>
-            <a:endCxn id="117" idx="1"/>
-          </p:cNvCxnSpPr>
-          <p:nvPr/>
-        </p:nvCxnSpPr>
-        <p:spPr>
-          <a:xfrm rot="10800000" flipH="1">
-            <a:off x="6082350" y="1674075"/>
-            <a:ext cx="1005000" cy="485700"/>
-          </a:xfrm>
-          <a:prstGeom prst="straightConnector1">
-            <a:avLst/>
-          </a:prstGeom>
-          <a:noFill/>
-          <a:ln w="9525" cap="flat" cmpd="sng">
-            <a:solidFill>
-              <a:schemeClr val="dk2"/>
-            </a:solidFill>
-            <a:prstDash val="solid"/>
-            <a:round/>
-            <a:headEnd type="none" w="med" len="med"/>
-            <a:tailEnd type="triangle" w="med" len="med"/>
-          </a:ln>
-        </p:spPr>
-      </p:cxnSp>
-      <p:cxnSp>
-        <p:nvCxnSpPr>
-          <p:cNvPr id="121" name="Google Shape;121;p19"/>
-          <p:cNvCxnSpPr>
-            <a:stCxn id="117" idx="3"/>
-            <a:endCxn id="118" idx="1"/>
-          </p:cNvCxnSpPr>
-          <p:nvPr/>
-        </p:nvCxnSpPr>
-        <p:spPr>
-          <a:xfrm rot="10800000" flipH="1">
-            <a:off x="7511100" y="1627650"/>
-            <a:ext cx="682800" cy="46500"/>
-          </a:xfrm>
-          <a:prstGeom prst="straightConnector1">
-            <a:avLst/>
-          </a:prstGeom>
-          <a:noFill/>
-          <a:ln w="9525" cap="flat" cmpd="sng">
-            <a:solidFill>
-              <a:schemeClr val="dk2"/>
-            </a:solidFill>
-            <a:prstDash val="solid"/>
-            <a:round/>
-            <a:headEnd type="none" w="med" len="med"/>
-            <a:tailEnd type="triangle" w="med" len="med"/>
-          </a:ln>
-        </p:spPr>
-      </p:cxnSp>
-      <p:cxnSp>
-        <p:nvCxnSpPr>
-          <p:cNvPr id="122" name="Google Shape;122;p19"/>
-          <p:cNvCxnSpPr>
-            <a:stCxn id="115" idx="3"/>
-            <a:endCxn id="113" idx="1"/>
-          </p:cNvCxnSpPr>
-          <p:nvPr/>
-        </p:nvCxnSpPr>
-        <p:spPr>
-          <a:xfrm rot="10800000" flipH="1">
-            <a:off x="7511054" y="2192825"/>
-            <a:ext cx="682800" cy="15600"/>
-          </a:xfrm>
-          <a:prstGeom prst="straightConnector1">
-            <a:avLst/>
-          </a:prstGeom>
-          <a:noFill/>
-          <a:ln w="9525" cap="flat" cmpd="sng">
-            <a:solidFill>
-              <a:schemeClr val="dk2"/>
-            </a:solidFill>
-            <a:prstDash val="solid"/>
-            <a:round/>
-            <a:headEnd type="none" w="med" len="med"/>
-            <a:tailEnd type="triangle" w="med" len="med"/>
-          </a:ln>
-        </p:spPr>
-      </p:cxnSp>
-      <p:sp>
-        <p:nvSpPr>
-          <p:cNvPr id="123" name="Google Shape;123;p19"/>
-          <p:cNvSpPr txBox="1"/>
-          <p:nvPr/>
-        </p:nvSpPr>
-        <p:spPr>
-          <a:xfrm>
-            <a:off x="5433875" y="789375"/>
-            <a:ext cx="1005000" cy="384900"/>
-          </a:xfrm>
-          <a:prstGeom prst="rect">
-            <a:avLst/>
-          </a:prstGeom>
-          <a:noFill/>
-          <a:ln>
-            <a:noFill/>
-          </a:ln>
-        </p:spPr>
-        <p:txBody>
-          <a:bodyPr spcFirstLastPara="1" wrap="square" lIns="91425" tIns="91425" rIns="91425" bIns="91425" anchor="t" anchorCtr="0">
-            <a:spAutoFit/>
-          </a:bodyPr>
-          <a:lstStyle/>
-          <a:p>
-            <a:pPr marL="0" lvl="0" indent="0" algn="l" rtl="0">
-              <a:spcBef>
-                <a:spcPts val="0"/>
-              </a:spcBef>
-              <a:spcAft>
-                <a:spcPts val="0"/>
-              </a:spcAft>
-              <a:buNone/>
-            </a:pPr>
-            <a:r>
-              <a:rPr lang="en" sz="1300"/>
-              <a:t>characters</a:t>
-            </a:r>
-            <a:endParaRPr sz="1300"/>
-          </a:p>
-        </p:txBody>
-      </p:sp>
-      <p:sp>
-        <p:nvSpPr>
-          <p:cNvPr id="124" name="Google Shape;124;p19"/>
-          <p:cNvSpPr txBox="1"/>
-          <p:nvPr/>
-        </p:nvSpPr>
-        <p:spPr>
-          <a:xfrm>
-            <a:off x="6872850" y="553900"/>
-            <a:ext cx="1005000" cy="585000"/>
-          </a:xfrm>
-          <a:prstGeom prst="rect">
-            <a:avLst/>
-          </a:prstGeom>
-          <a:noFill/>
-          <a:ln>
-            <a:noFill/>
-          </a:ln>
-        </p:spPr>
-        <p:txBody>
-          <a:bodyPr spcFirstLastPara="1" wrap="square" lIns="91425" tIns="91425" rIns="91425" bIns="91425" anchor="t" anchorCtr="0">
-            <a:spAutoFit/>
-          </a:bodyPr>
-          <a:lstStyle/>
-          <a:p>
-            <a:pPr marL="0" lvl="0" indent="0" algn="l" rtl="0">
-              <a:spcBef>
-                <a:spcPts val="0"/>
-              </a:spcBef>
-              <a:spcAft>
-                <a:spcPts val="0"/>
-              </a:spcAft>
-              <a:buNone/>
-            </a:pPr>
-            <a:r>
-              <a:rPr lang="en" sz="1300"/>
-              <a:t>decimal</a:t>
-            </a:r>
-            <a:br>
-              <a:rPr lang="en" sz="1300"/>
-            </a:br>
-            <a:r>
-              <a:rPr lang="en" sz="1300"/>
-              <a:t>numbers</a:t>
-            </a:r>
-            <a:endParaRPr sz="1300"/>
-          </a:p>
-        </p:txBody>
-      </p:sp>
-      <p:sp>
-        <p:nvSpPr>
-          <p:cNvPr id="125" name="Google Shape;125;p19"/>
-          <p:cNvSpPr txBox="1"/>
-          <p:nvPr/>
-        </p:nvSpPr>
-        <p:spPr>
-          <a:xfrm>
-            <a:off x="7930800" y="589275"/>
-            <a:ext cx="1259400" cy="585000"/>
-          </a:xfrm>
-          <a:prstGeom prst="rect">
-            <a:avLst/>
-          </a:prstGeom>
-          <a:noFill/>
-          <a:ln>
-            <a:noFill/>
-          </a:ln>
-        </p:spPr>
-        <p:txBody>
-          <a:bodyPr spcFirstLastPara="1" wrap="square" lIns="91425" tIns="91425" rIns="91425" bIns="91425" anchor="t" anchorCtr="0">
-            <a:spAutoFit/>
-          </a:bodyPr>
-          <a:lstStyle/>
-          <a:p>
-            <a:pPr marL="0" lvl="0" indent="0" algn="l" rtl="0">
-              <a:spcBef>
-                <a:spcPts val="0"/>
-              </a:spcBef>
-              <a:spcAft>
-                <a:spcPts val="0"/>
-              </a:spcAft>
-              <a:buNone/>
-            </a:pPr>
-            <a:r>
-              <a:rPr lang="en" sz="1300"/>
-              <a:t>hexadecimal</a:t>
-            </a:r>
-            <a:br>
-              <a:rPr lang="en" sz="1300"/>
-            </a:br>
-            <a:r>
-              <a:rPr lang="en" sz="1300"/>
-              <a:t>numbers</a:t>
-            </a:r>
-            <a:endParaRPr sz="1300"/>
-          </a:p>
-        </p:txBody>
-      </p:sp>
-      <p:graphicFrame>
-        <p:nvGraphicFramePr>
-          <p:cNvPr id="126" name="Google Shape;126;p19"/>
-          <p:cNvGraphicFramePr/>
-          <p:nvPr/>
-        </p:nvGraphicFramePr>
-        <p:xfrm>
-          <a:off x="929650" y="2726075"/>
-          <a:ext cx="3429150" cy="2218950"/>
-        </p:xfrm>
-        <a:graphic>
-          <a:graphicData uri="http://schemas.openxmlformats.org/drawingml/2006/table">
-            <a:tbl>
-              <a:tblPr>
-                <a:noFill/>
-                <a:tableStyleId>{3D7BCBB5-9D7D-4139-8AE8-B16A8BD0D231}</a:tableStyleId>
-              </a:tblPr>
-              <a:tblGrid>
-                <a:gridCol w="1114475">
-                  <a:extLst>
-                    <a:ext uri="{9D8B030D-6E8A-4147-A177-3AD203B41FA5}">
-                      <a16:colId xmlns:a16="http://schemas.microsoft.com/office/drawing/2014/main" val="20000"/>
-                    </a:ext>
-                  </a:extLst>
-                </a:gridCol>
-                <a:gridCol w="1171625">
-                  <a:extLst>
-                    <a:ext uri="{9D8B030D-6E8A-4147-A177-3AD203B41FA5}">
-                      <a16:colId xmlns:a16="http://schemas.microsoft.com/office/drawing/2014/main" val="20001"/>
-                    </a:ext>
-                  </a:extLst>
-                </a:gridCol>
-                <a:gridCol w="1143050">
-                  <a:extLst>
-                    <a:ext uri="{9D8B030D-6E8A-4147-A177-3AD203B41FA5}">
-                      <a16:colId xmlns:a16="http://schemas.microsoft.com/office/drawing/2014/main" val="20002"/>
-                    </a:ext>
-                  </a:extLst>
-                </a:gridCol>
-              </a:tblGrid>
-              <a:tr h="390300">
-                <a:tc>
-                  <a:txBody>
-                    <a:bodyPr/>
-                    <a:lstStyle/>
-                    <a:p>
-                      <a:pPr marL="0" lvl="0" indent="0" algn="ctr" rtl="0">
-                        <a:spcBef>
-                          <a:spcPts val="0"/>
-                        </a:spcBef>
-                        <a:spcAft>
-                          <a:spcPts val="0"/>
-                        </a:spcAft>
-                        <a:buNone/>
-                      </a:pPr>
-                      <a:r>
-                        <a:rPr lang="en" sz="1200"/>
-                        <a:t>INPUT</a:t>
-                      </a:r>
-                      <a:endParaRPr sz="1200"/>
-                    </a:p>
-                  </a:txBody>
-                  <a:tcPr marL="91425" marR="91425" marT="91425" marB="91425"/>
-                </a:tc>
-                <a:tc>
-                  <a:txBody>
-                    <a:bodyPr/>
-                    <a:lstStyle/>
-                    <a:p>
-                      <a:pPr marL="0" lvl="0" indent="0" algn="ctr" rtl="0">
-                        <a:spcBef>
-                          <a:spcPts val="0"/>
-                        </a:spcBef>
-                        <a:spcAft>
-                          <a:spcPts val="0"/>
-                        </a:spcAft>
-                        <a:buNone/>
-                      </a:pPr>
-                      <a:r>
-                        <a:rPr lang="en" sz="1200"/>
-                        <a:t>OUTPUT 1</a:t>
-                      </a:r>
-                      <a:endParaRPr sz="1200"/>
-                    </a:p>
-                  </a:txBody>
-                  <a:tcPr marL="91425" marR="91425" marT="91425" marB="91425"/>
-                </a:tc>
-                <a:tc>
-                  <a:txBody>
-                    <a:bodyPr/>
-                    <a:lstStyle/>
-                    <a:p>
-                      <a:pPr marL="0" lvl="0" indent="0" algn="ctr" rtl="0">
-                        <a:spcBef>
-                          <a:spcPts val="0"/>
-                        </a:spcBef>
-                        <a:spcAft>
-                          <a:spcPts val="0"/>
-                        </a:spcAft>
-                        <a:buNone/>
-                      </a:pPr>
-                      <a:r>
-                        <a:rPr lang="en" sz="1200">
-                          <a:solidFill>
-                            <a:schemeClr val="dk1"/>
-                          </a:solidFill>
-                        </a:rPr>
-                        <a:t>OUTPUT 2</a:t>
-                      </a:r>
-                      <a:endParaRPr sz="1200"/>
-                    </a:p>
-                  </a:txBody>
-                  <a:tcPr marL="91425" marR="91425" marT="91425" marB="91425"/>
-                </a:tc>
-                <a:extLst>
-                  <a:ext uri="{0D108BD9-81ED-4DB2-BD59-A6C34878D82A}">
-                    <a16:rowId xmlns:a16="http://schemas.microsoft.com/office/drawing/2014/main" val="10000"/>
-                  </a:ext>
-                </a:extLst>
-              </a:tr>
-              <a:tr h="304775">
-                <a:tc>
-                  <a:txBody>
-                    <a:bodyPr/>
-                    <a:lstStyle/>
-                    <a:p>
-                      <a:pPr marL="0" lvl="0" indent="0" algn="ctr" rtl="0">
-                        <a:spcBef>
-                          <a:spcPts val="0"/>
-                        </a:spcBef>
-                        <a:spcAft>
-                          <a:spcPts val="0"/>
-                        </a:spcAft>
-                        <a:buNone/>
-                      </a:pPr>
-                      <a:r>
-                        <a:rPr lang="en" sz="1200"/>
-                        <a:t>5</a:t>
-                      </a:r>
-                      <a:endParaRPr sz="1200"/>
-                    </a:p>
-                  </a:txBody>
-                  <a:tcPr marL="91425" marR="91425" marT="91425" marB="91425"/>
-                </a:tc>
-                <a:tc>
-                  <a:txBody>
-                    <a:bodyPr/>
-                    <a:lstStyle/>
-                    <a:p>
-                      <a:pPr marL="0" lvl="0" indent="0" algn="ctr" rtl="0">
-                        <a:spcBef>
-                          <a:spcPts val="0"/>
-                        </a:spcBef>
-                        <a:spcAft>
-                          <a:spcPts val="0"/>
-                        </a:spcAft>
-                        <a:buNone/>
-                      </a:pPr>
-                      <a:r>
-                        <a:rPr lang="en" sz="1200"/>
-                        <a:t>8</a:t>
-                      </a:r>
-                      <a:endParaRPr sz="1200"/>
-                    </a:p>
-                  </a:txBody>
-                  <a:tcPr marL="91425" marR="91425" marT="91425" marB="91425"/>
-                </a:tc>
-                <a:tc>
-                  <a:txBody>
-                    <a:bodyPr/>
-                    <a:lstStyle/>
-                    <a:p>
-                      <a:pPr marL="0" lvl="0" indent="0" algn="ctr" rtl="0">
-                        <a:spcBef>
-                          <a:spcPts val="0"/>
-                        </a:spcBef>
-                        <a:spcAft>
-                          <a:spcPts val="0"/>
-                        </a:spcAft>
-                        <a:buNone/>
-                      </a:pPr>
-                      <a:r>
-                        <a:rPr lang="en" sz="1200"/>
-                        <a:t>53</a:t>
-                      </a:r>
-                      <a:endParaRPr sz="1200"/>
-                    </a:p>
-                  </a:txBody>
-                  <a:tcPr marL="91425" marR="91425" marT="91425" marB="91425"/>
-                </a:tc>
-                <a:extLst>
-                  <a:ext uri="{0D108BD9-81ED-4DB2-BD59-A6C34878D82A}">
-                    <a16:rowId xmlns:a16="http://schemas.microsoft.com/office/drawing/2014/main" val="10001"/>
-                  </a:ext>
-                </a:extLst>
-              </a:tr>
-              <a:tr h="238325">
-                <a:tc>
-                  <a:txBody>
-                    <a:bodyPr/>
-                    <a:lstStyle/>
-                    <a:p>
-                      <a:pPr marL="0" lvl="0" indent="0" algn="ctr" rtl="0">
-                        <a:spcBef>
-                          <a:spcPts val="0"/>
-                        </a:spcBef>
-                        <a:spcAft>
-                          <a:spcPts val="0"/>
-                        </a:spcAft>
-                        <a:buNone/>
-                      </a:pPr>
-                      <a:r>
-                        <a:rPr lang="en" sz="1200"/>
-                        <a:t>2</a:t>
-                      </a:r>
-                      <a:endParaRPr sz="1200"/>
-                    </a:p>
-                  </a:txBody>
-                  <a:tcPr marL="91425" marR="91425" marT="91425" marB="91425"/>
-                </a:tc>
-                <a:tc>
-                  <a:txBody>
-                    <a:bodyPr/>
-                    <a:lstStyle/>
-                    <a:p>
-                      <a:pPr marL="0" lvl="0" indent="0" algn="ctr" rtl="0">
-                        <a:spcBef>
-                          <a:spcPts val="0"/>
-                        </a:spcBef>
-                        <a:spcAft>
-                          <a:spcPts val="0"/>
-                        </a:spcAft>
-                        <a:buNone/>
-                      </a:pPr>
-                      <a:r>
-                        <a:rPr lang="en" sz="1200"/>
-                        <a:t>5</a:t>
-                      </a:r>
-                      <a:endParaRPr sz="1200"/>
-                    </a:p>
-                  </a:txBody>
-                  <a:tcPr marL="91425" marR="91425" marT="91425" marB="91425"/>
-                </a:tc>
-                <a:tc>
-                  <a:txBody>
-                    <a:bodyPr/>
-                    <a:lstStyle/>
-                    <a:p>
-                      <a:pPr marL="0" lvl="0" indent="0" algn="ctr" rtl="0">
-                        <a:spcBef>
-                          <a:spcPts val="0"/>
-                        </a:spcBef>
-                        <a:spcAft>
-                          <a:spcPts val="0"/>
-                        </a:spcAft>
-                        <a:buNone/>
-                      </a:pPr>
-                      <a:r>
-                        <a:rPr lang="en" sz="1200"/>
-                        <a:t>50</a:t>
-                      </a:r>
-                      <a:endParaRPr sz="1200"/>
-                    </a:p>
-                  </a:txBody>
-                  <a:tcPr marL="91425" marR="91425" marT="91425" marB="91425"/>
-                </a:tc>
-                <a:extLst>
-                  <a:ext uri="{0D108BD9-81ED-4DB2-BD59-A6C34878D82A}">
-                    <a16:rowId xmlns:a16="http://schemas.microsoft.com/office/drawing/2014/main" val="10002"/>
-                  </a:ext>
-                </a:extLst>
-              </a:tr>
-              <a:tr h="230000">
-                <a:tc>
-                  <a:txBody>
-                    <a:bodyPr/>
-                    <a:lstStyle/>
-                    <a:p>
-                      <a:pPr marL="0" lvl="0" indent="0" algn="ctr" rtl="0">
-                        <a:spcBef>
-                          <a:spcPts val="0"/>
-                        </a:spcBef>
-                        <a:spcAft>
-                          <a:spcPts val="0"/>
-                        </a:spcAft>
-                        <a:buNone/>
-                      </a:pPr>
-                      <a:r>
-                        <a:rPr lang="en" sz="1200"/>
-                        <a:t>4</a:t>
-                      </a:r>
-                      <a:endParaRPr sz="1200"/>
-                    </a:p>
-                  </a:txBody>
-                  <a:tcPr marL="91425" marR="91425" marT="91425" marB="91425"/>
-                </a:tc>
-                <a:tc>
-                  <a:txBody>
-                    <a:bodyPr/>
-                    <a:lstStyle/>
-                    <a:p>
-                      <a:pPr marL="0" lvl="0" indent="0" algn="ctr" rtl="0">
-                        <a:spcBef>
-                          <a:spcPts val="0"/>
-                        </a:spcBef>
-                        <a:spcAft>
-                          <a:spcPts val="0"/>
-                        </a:spcAft>
-                        <a:buNone/>
-                      </a:pPr>
-                      <a:r>
-                        <a:rPr lang="en" sz="1200"/>
-                        <a:t>7</a:t>
-                      </a:r>
-                      <a:endParaRPr sz="1200"/>
-                    </a:p>
-                  </a:txBody>
-                  <a:tcPr marL="91425" marR="91425" marT="91425" marB="91425"/>
-                </a:tc>
-                <a:tc>
-                  <a:txBody>
-                    <a:bodyPr/>
-                    <a:lstStyle/>
-                    <a:p>
-                      <a:pPr marL="0" lvl="0" indent="0" algn="ctr" rtl="0">
-                        <a:spcBef>
-                          <a:spcPts val="0"/>
-                        </a:spcBef>
-                        <a:spcAft>
-                          <a:spcPts val="0"/>
-                        </a:spcAft>
-                        <a:buNone/>
-                      </a:pPr>
-                      <a:r>
-                        <a:rPr lang="en" sz="1200"/>
-                        <a:t>52</a:t>
-                      </a:r>
-                      <a:endParaRPr sz="1200"/>
-                    </a:p>
-                  </a:txBody>
-                  <a:tcPr marL="91425" marR="91425" marT="91425" marB="91425"/>
-                </a:tc>
-                <a:extLst>
-                  <a:ext uri="{0D108BD9-81ED-4DB2-BD59-A6C34878D82A}">
-                    <a16:rowId xmlns:a16="http://schemas.microsoft.com/office/drawing/2014/main" val="10003"/>
-                  </a:ext>
-                </a:extLst>
-              </a:tr>
-              <a:tr h="362975">
-                <a:tc>
-                  <a:txBody>
-                    <a:bodyPr/>
-                    <a:lstStyle/>
-                    <a:p>
-                      <a:pPr marL="0" lvl="0" indent="0" algn="ctr" rtl="0">
-                        <a:spcBef>
-                          <a:spcPts val="0"/>
-                        </a:spcBef>
-                        <a:spcAft>
-                          <a:spcPts val="0"/>
-                        </a:spcAft>
-                        <a:buNone/>
-                      </a:pPr>
-                      <a:r>
-                        <a:rPr lang="en" sz="1200"/>
-                        <a:t>9</a:t>
-                      </a:r>
-                      <a:endParaRPr sz="1200"/>
-                    </a:p>
-                  </a:txBody>
-                  <a:tcPr marL="91425" marR="91425" marT="91425" marB="91425"/>
-                </a:tc>
-                <a:tc>
-                  <a:txBody>
-                    <a:bodyPr/>
-                    <a:lstStyle/>
-                    <a:p>
-                      <a:pPr marL="0" lvl="0" indent="0" algn="ctr" rtl="0">
-                        <a:spcBef>
-                          <a:spcPts val="0"/>
-                        </a:spcBef>
-                        <a:spcAft>
-                          <a:spcPts val="0"/>
-                        </a:spcAft>
-                        <a:buNone/>
-                      </a:pPr>
-                      <a:r>
-                        <a:rPr lang="en" sz="1200" dirty="0"/>
-                        <a:t>? </a:t>
-                      </a:r>
-                      <a:endParaRPr sz="1200" dirty="0"/>
-                    </a:p>
-                  </a:txBody>
-                  <a:tcPr marL="91425" marR="91425" marT="91425" marB="91425"/>
-                </a:tc>
-                <a:tc>
-                  <a:txBody>
-                    <a:bodyPr/>
-                    <a:lstStyle/>
-                    <a:p>
-                      <a:pPr marL="0" lvl="0" indent="0" algn="ctr" rtl="0">
-                        <a:spcBef>
-                          <a:spcPts val="0"/>
-                        </a:spcBef>
-                        <a:spcAft>
-                          <a:spcPts val="0"/>
-                        </a:spcAft>
-                        <a:buNone/>
-                      </a:pPr>
-                      <a:r>
-                        <a:rPr lang="en" sz="1200"/>
-                        <a:t>?</a:t>
-                      </a:r>
-                      <a:endParaRPr sz="1200"/>
-                    </a:p>
-                  </a:txBody>
-                  <a:tcPr marL="91425" marR="91425" marT="91425" marB="91425"/>
-                </a:tc>
-                <a:extLst>
-                  <a:ext uri="{0D108BD9-81ED-4DB2-BD59-A6C34878D82A}">
-                    <a16:rowId xmlns:a16="http://schemas.microsoft.com/office/drawing/2014/main" val="10004"/>
-                  </a:ext>
-                </a:extLst>
-              </a:tr>
-              <a:tr h="304800">
-                <a:tc>
-                  <a:txBody>
-                    <a:bodyPr/>
-                    <a:lstStyle/>
-                    <a:p>
-                      <a:pPr marL="0" lvl="0" indent="0" algn="ctr" rtl="0">
-                        <a:spcBef>
-                          <a:spcPts val="0"/>
-                        </a:spcBef>
-                        <a:spcAft>
-                          <a:spcPts val="0"/>
-                        </a:spcAft>
-                        <a:buNone/>
-                      </a:pPr>
-                      <a:r>
-                        <a:rPr lang="en" sz="1200"/>
-                        <a:t>h</a:t>
-                      </a:r>
-                      <a:endParaRPr sz="1200"/>
-                    </a:p>
-                  </a:txBody>
-                  <a:tcPr marL="91425" marR="91425" marT="91425" marB="91425"/>
-                </a:tc>
-                <a:tc>
-                  <a:txBody>
-                    <a:bodyPr/>
-                    <a:lstStyle/>
-                    <a:p>
-                      <a:pPr marL="0" lvl="0" indent="0" algn="ctr" rtl="0">
-                        <a:spcBef>
-                          <a:spcPts val="0"/>
-                        </a:spcBef>
-                        <a:spcAft>
-                          <a:spcPts val="0"/>
-                        </a:spcAft>
-                        <a:buNone/>
-                      </a:pPr>
-                      <a:r>
-                        <a:rPr lang="en" sz="1200"/>
-                        <a:t>? </a:t>
-                      </a:r>
-                      <a:r>
-                        <a:rPr lang="en" sz="1200">
-                          <a:highlight>
-                            <a:schemeClr val="dk1"/>
-                          </a:highlight>
-                        </a:rPr>
-                        <a:t>k</a:t>
-                      </a:r>
-                      <a:endParaRPr sz="1200">
-                        <a:highlight>
-                          <a:schemeClr val="dk1"/>
-                        </a:highlight>
-                      </a:endParaRPr>
-                    </a:p>
-                  </a:txBody>
-                  <a:tcPr marL="91425" marR="91425" marT="91425" marB="91425"/>
-                </a:tc>
-                <a:tc>
-                  <a:txBody>
-                    <a:bodyPr/>
-                    <a:lstStyle/>
-                    <a:p>
-                      <a:pPr marL="0" lvl="0" indent="0" algn="ctr" rtl="0">
-                        <a:spcBef>
-                          <a:spcPts val="0"/>
-                        </a:spcBef>
-                        <a:spcAft>
-                          <a:spcPts val="0"/>
-                        </a:spcAft>
-                        <a:buNone/>
-                      </a:pPr>
-                      <a:r>
-                        <a:rPr lang="en" sz="1200" dirty="0"/>
-                        <a:t>104   ? </a:t>
-                      </a:r>
-                      <a:r>
-                        <a:rPr lang="en" sz="1200" dirty="0">
-                          <a:highlight>
-                            <a:schemeClr val="dk1"/>
-                          </a:highlight>
-                        </a:rPr>
-                        <a:t>104</a:t>
-                      </a:r>
-                      <a:endParaRPr sz="1200" dirty="0">
-                        <a:highlight>
-                          <a:schemeClr val="dk1"/>
-                        </a:highlight>
-                      </a:endParaRPr>
-                    </a:p>
-                  </a:txBody>
-                  <a:tcPr marL="91425" marR="91425" marT="91425" marB="91425"/>
-                </a:tc>
-                <a:extLst>
-                  <a:ext uri="{0D108BD9-81ED-4DB2-BD59-A6C34878D82A}">
-                    <a16:rowId xmlns:a16="http://schemas.microsoft.com/office/drawing/2014/main" val="10005"/>
-                  </a:ext>
-                </a:extLst>
-              </a:tr>
-            </a:tbl>
-          </a:graphicData>
-        </a:graphic>
-      </p:graphicFrame>
-      <p:sp>
-        <p:nvSpPr>
-          <p:cNvPr id="127" name="Google Shape;127;p19"/>
-          <p:cNvSpPr txBox="1"/>
-          <p:nvPr/>
-        </p:nvSpPr>
-        <p:spPr>
-          <a:xfrm>
-            <a:off x="4648300" y="2476075"/>
-            <a:ext cx="224400" cy="2339700"/>
-          </a:xfrm>
-          <a:prstGeom prst="rect">
-            <a:avLst/>
-          </a:prstGeom>
-          <a:noFill/>
-          <a:ln>
-            <a:noFill/>
-          </a:ln>
-        </p:spPr>
-        <p:txBody>
-          <a:bodyPr spcFirstLastPara="1" wrap="square" lIns="91425" tIns="91425" rIns="91425" bIns="91425" anchor="t" anchorCtr="0">
-            <a:spAutoFit/>
-          </a:bodyPr>
-          <a:lstStyle/>
-          <a:p>
-            <a:pPr marL="0" lvl="0" indent="0" algn="l" rtl="0">
-              <a:spcBef>
-                <a:spcPts val="0"/>
-              </a:spcBef>
-              <a:spcAft>
-                <a:spcPts val="0"/>
-              </a:spcAft>
-              <a:buNone/>
-            </a:pPr>
-            <a:r>
-              <a:rPr lang="en"/>
-              <a:t>0 1 2 3 4 5 6 7 8 9 </a:t>
-            </a:r>
-            <a:endParaRPr/>
-          </a:p>
-        </p:txBody>
-      </p:sp>
-      <p:sp>
-        <p:nvSpPr>
-          <p:cNvPr id="128" name="Google Shape;128;p19"/>
-          <p:cNvSpPr txBox="1"/>
-          <p:nvPr/>
-        </p:nvSpPr>
-        <p:spPr>
-          <a:xfrm>
-            <a:off x="5132225" y="2192825"/>
-            <a:ext cx="283800" cy="2770500"/>
-          </a:xfrm>
-          <a:prstGeom prst="rect">
-            <a:avLst/>
-          </a:prstGeom>
-          <a:noFill/>
-          <a:ln>
-            <a:noFill/>
-          </a:ln>
-        </p:spPr>
-        <p:txBody>
-          <a:bodyPr spcFirstLastPara="1" wrap="square" lIns="91425" tIns="91425" rIns="91425" bIns="91425" anchor="t" anchorCtr="0">
-            <a:spAutoFit/>
-          </a:bodyPr>
-          <a:lstStyle/>
-          <a:p>
-            <a:pPr marL="0" lvl="0" indent="0" algn="l" rtl="0">
-              <a:spcBef>
-                <a:spcPts val="0"/>
-              </a:spcBef>
-              <a:spcAft>
-                <a:spcPts val="0"/>
-              </a:spcAft>
-              <a:buNone/>
-            </a:pPr>
-            <a:r>
-              <a:rPr lang="en" dirty="0"/>
-              <a:t>a b c d e f g h </a:t>
-            </a:r>
-            <a:r>
-              <a:rPr lang="en" dirty="0" err="1"/>
-              <a:t>i</a:t>
-            </a:r>
-            <a:r>
-              <a:rPr lang="en" dirty="0"/>
-              <a:t> j k l </a:t>
-            </a:r>
-            <a:endParaRPr dirty="0"/>
-          </a:p>
-        </p:txBody>
-      </p:sp>
     </p:spTree>
   </p:cSld>
   <p:clrMapOvr>

--- a/format-encodings/slide_presentations/.hidden/introduction-to-encodings.pptx
+++ b/format-encodings/slide_presentations/.hidden/introduction-to-encodings.pptx
@@ -23185,7 +23185,7 @@
         </p:nvSpPr>
         <p:spPr>
           <a:xfrm>
-            <a:off x="5461733" y="2090025"/>
+            <a:off x="6296100" y="-101259"/>
             <a:ext cx="2847900" cy="1436100"/>
           </a:xfrm>
           <a:prstGeom prst="rect">
@@ -24869,11 +24869,11 @@
               <a:buChar char="●"/>
             </a:pPr>
             <a:r>
-              <a:rPr lang="en"/>
+              <a:rPr lang="en" dirty="0"/>
               <a:t>The list of </a:t>
             </a:r>
             <a:r>
-              <a:rPr lang="en" u="sng">
+              <a:rPr lang="en" u="sng" dirty="0">
                 <a:solidFill>
                   <a:schemeClr val="hlink"/>
                 </a:solidFill>
@@ -24882,7 +24882,7 @@
               <a:t>UTF-8 characters</a:t>
             </a:r>
             <a:r>
-              <a:rPr lang="en"/>
+              <a:rPr lang="en" dirty="0"/>
               <a:t>:</a:t>
             </a:r>
             <a:endParaRPr dirty="0"/>
@@ -28709,7 +28709,7 @@
         </p:nvSpPr>
         <p:spPr>
           <a:xfrm>
-            <a:off x="1277850" y="1383125"/>
+            <a:off x="1408612" y="499897"/>
             <a:ext cx="6778800" cy="652200"/>
           </a:xfrm>
           <a:prstGeom prst="rect">
